--- a/Instacart 2nd Place Solution.pptx
+++ b/Instacart 2nd Place Solution.pptx
@@ -5,28 +5,28 @@
     <p:sldMasterId id="2147483648" r:id="rId1"/>
   </p:sldMasterIdLst>
   <p:notesMasterIdLst>
-    <p:notesMasterId r:id="rId29"/>
+    <p:notesMasterId r:id="rId30"/>
   </p:notesMasterIdLst>
   <p:sldIdLst>
     <p:sldId id="256" r:id="rId2"/>
     <p:sldId id="257" r:id="rId3"/>
     <p:sldId id="258" r:id="rId4"/>
     <p:sldId id="259" r:id="rId5"/>
-    <p:sldId id="260" r:id="rId6"/>
-    <p:sldId id="261" r:id="rId7"/>
-    <p:sldId id="262" r:id="rId8"/>
-    <p:sldId id="263" r:id="rId9"/>
-    <p:sldId id="264" r:id="rId10"/>
-    <p:sldId id="265" r:id="rId11"/>
-    <p:sldId id="283" r:id="rId12"/>
-    <p:sldId id="284" r:id="rId13"/>
-    <p:sldId id="266" r:id="rId14"/>
-    <p:sldId id="268" r:id="rId15"/>
-    <p:sldId id="269" r:id="rId16"/>
-    <p:sldId id="270" r:id="rId17"/>
-    <p:sldId id="271" r:id="rId18"/>
-    <p:sldId id="272" r:id="rId19"/>
-    <p:sldId id="273" r:id="rId20"/>
+    <p:sldId id="261" r:id="rId6"/>
+    <p:sldId id="262" r:id="rId7"/>
+    <p:sldId id="263" r:id="rId8"/>
+    <p:sldId id="264" r:id="rId9"/>
+    <p:sldId id="265" r:id="rId10"/>
+    <p:sldId id="283" r:id="rId11"/>
+    <p:sldId id="284" r:id="rId12"/>
+    <p:sldId id="266" r:id="rId13"/>
+    <p:sldId id="268" r:id="rId14"/>
+    <p:sldId id="269" r:id="rId15"/>
+    <p:sldId id="270" r:id="rId16"/>
+    <p:sldId id="271" r:id="rId17"/>
+    <p:sldId id="272" r:id="rId18"/>
+    <p:sldId id="273" r:id="rId19"/>
+    <p:sldId id="285" r:id="rId20"/>
     <p:sldId id="280" r:id="rId21"/>
     <p:sldId id="281" r:id="rId22"/>
     <p:sldId id="282" r:id="rId23"/>
@@ -35,6 +35,7 @@
     <p:sldId id="276" r:id="rId26"/>
     <p:sldId id="277" r:id="rId27"/>
     <p:sldId id="278" r:id="rId28"/>
+    <p:sldId id="286" r:id="rId29"/>
   </p:sldIdLst>
   <p:sldSz cx="12192000" cy="6858000"/>
   <p:notesSz cx="6858000" cy="9144000"/>
@@ -3782,208 +3783,6 @@
             </a:r>
             <a:r>
               <a:rPr lang="en-US" altLang="ja-JP" dirty="0" smtClean="0"/>
-              <a:t>Engineering</a:t>
-            </a:r>
-            <a:endParaRPr kumimoji="1" lang="ja-JP" altLang="en-US" dirty="0"/>
-          </a:p>
-        </p:txBody>
-      </p:sp>
-      <p:sp>
-        <p:nvSpPr>
-          <p:cNvPr id="3" name="コンテンツ プレースホルダー 2"/>
-          <p:cNvSpPr>
-            <a:spLocks noGrp="1"/>
-          </p:cNvSpPr>
-          <p:nvPr>
-            <p:ph idx="1"/>
-          </p:nvPr>
-        </p:nvSpPr>
-        <p:spPr>
-          <a:xfrm>
-            <a:off x="344557" y="1245704"/>
-            <a:ext cx="11009243" cy="5343781"/>
-          </a:xfrm>
-        </p:spPr>
-        <p:txBody>
-          <a:bodyPr>
-            <a:normAutofit/>
-          </a:bodyPr>
-          <a:lstStyle/>
-          <a:p>
-            <a:r>
-              <a:rPr kumimoji="1" lang="en-US" altLang="ja-JP" sz="2400" dirty="0" smtClean="0"/>
-              <a:t>I made 4 types of features</a:t>
-            </a:r>
-          </a:p>
-          <a:p>
-            <a:endParaRPr kumimoji="1" lang="en-US" altLang="ja-JP" sz="2400" dirty="0" smtClean="0"/>
-          </a:p>
-          <a:p>
-            <a:pPr marL="514350" indent="-514350">
-              <a:buFont typeface="+mj-lt"/>
-              <a:buAutoNum type="arabicPeriod"/>
-            </a:pPr>
-            <a:r>
-              <a:rPr lang="en-US" altLang="ja-JP" sz="2400" dirty="0" smtClean="0"/>
-              <a:t>User</a:t>
-            </a:r>
-          </a:p>
-          <a:p>
-            <a:pPr lvl="1"/>
-            <a:r>
-              <a:rPr lang="en-US" altLang="ja-JP" dirty="0" smtClean="0"/>
-              <a:t>What this user like</a:t>
-            </a:r>
-          </a:p>
-          <a:p>
-            <a:pPr marL="514350" indent="-514350">
-              <a:buFont typeface="+mj-lt"/>
-              <a:buAutoNum type="arabicPeriod"/>
-            </a:pPr>
-            <a:r>
-              <a:rPr kumimoji="1" lang="en-US" altLang="ja-JP" sz="2400" dirty="0" smtClean="0"/>
-              <a:t>Item</a:t>
-            </a:r>
-          </a:p>
-          <a:p>
-            <a:pPr lvl="1"/>
-            <a:r>
-              <a:rPr lang="en-US" altLang="ja-JP" dirty="0"/>
-              <a:t>What this </a:t>
-            </a:r>
-            <a:r>
-              <a:rPr lang="en-US" altLang="ja-JP" dirty="0" smtClean="0"/>
-              <a:t>item like</a:t>
-            </a:r>
-            <a:endParaRPr lang="en-US" altLang="ja-JP" dirty="0"/>
-          </a:p>
-          <a:p>
-            <a:pPr marL="514350" indent="-514350">
-              <a:buFont typeface="+mj-lt"/>
-              <a:buAutoNum type="arabicPeriod"/>
-            </a:pPr>
-            <a:r>
-              <a:rPr lang="en-US" altLang="ja-JP" sz="2400" dirty="0" smtClean="0"/>
-              <a:t>User x Item</a:t>
-            </a:r>
-          </a:p>
-          <a:p>
-            <a:pPr lvl="1"/>
-            <a:r>
-              <a:rPr lang="en-US" altLang="ja-JP" dirty="0" smtClean="0"/>
-              <a:t>How do the user feel about the item</a:t>
-            </a:r>
-          </a:p>
-          <a:p>
-            <a:pPr marL="514350" indent="-514350">
-              <a:buFont typeface="+mj-lt"/>
-              <a:buAutoNum type="arabicPeriod"/>
-            </a:pPr>
-            <a:r>
-              <a:rPr kumimoji="1" lang="en-US" altLang="ja-JP" sz="2400" dirty="0" smtClean="0"/>
-              <a:t>Datetime</a:t>
-            </a:r>
-          </a:p>
-          <a:p>
-            <a:pPr lvl="1"/>
-            <a:r>
-              <a:rPr lang="en-US" altLang="ja-JP" dirty="0"/>
-              <a:t>What this </a:t>
-            </a:r>
-            <a:r>
-              <a:rPr lang="en-US" altLang="ja-JP" dirty="0" smtClean="0"/>
-              <a:t>day and hour like</a:t>
-            </a:r>
-          </a:p>
-          <a:p>
-            <a:pPr lvl="1"/>
-            <a:endParaRPr lang="en-US" altLang="ja-JP" dirty="0" smtClean="0"/>
-          </a:p>
-          <a:p>
-            <a:pPr marL="0" indent="0">
-              <a:buNone/>
-            </a:pPr>
-            <a:r>
-              <a:rPr lang="en-US" altLang="ja-JP" sz="2000" dirty="0" smtClean="0"/>
-              <a:t>*For None model, I can’t use above features except user and datetime. So I convert those to stats(min, mean, max, sum, </a:t>
-            </a:r>
-            <a:r>
-              <a:rPr lang="en-US" altLang="ja-JP" sz="2000" dirty="0" err="1" smtClean="0"/>
-              <a:t>std</a:t>
-            </a:r>
-            <a:r>
-              <a:rPr lang="mr-IN" altLang="ja-JP" sz="2000" dirty="0" smtClean="0"/>
-              <a:t>…</a:t>
-            </a:r>
-            <a:r>
-              <a:rPr lang="en-US" altLang="ja-JP" sz="2000" dirty="0" smtClean="0"/>
-              <a:t>).</a:t>
-            </a:r>
-          </a:p>
-          <a:p>
-            <a:pPr marL="0" indent="0">
-              <a:buNone/>
-            </a:pPr>
-            <a:endParaRPr lang="en-US" altLang="ja-JP" dirty="0"/>
-          </a:p>
-        </p:txBody>
-      </p:sp>
-    </p:spTree>
-    <p:extLst>
-      <p:ext uri="{BB962C8B-B14F-4D97-AF65-F5344CB8AC3E}">
-        <p14:creationId xmlns:p14="http://schemas.microsoft.com/office/powerpoint/2010/main" val="1780876960"/>
-      </p:ext>
-    </p:extLst>
-  </p:cSld>
-  <p:clrMapOvr>
-    <a:masterClrMapping/>
-  </p:clrMapOvr>
-</p:sld>
-</file>
-
-<file path=ppt/slides/slide11.xml><?xml version="1.0" encoding="utf-8"?>
-<p:sld xmlns:a="http://schemas.openxmlformats.org/drawingml/2006/main" xmlns:r="http://schemas.openxmlformats.org/officeDocument/2006/relationships" xmlns:p="http://schemas.openxmlformats.org/presentationml/2006/main">
-  <p:cSld>
-    <p:spTree>
-      <p:nvGrpSpPr>
-        <p:cNvPr id="1" name=""/>
-        <p:cNvGrpSpPr/>
-        <p:nvPr/>
-      </p:nvGrpSpPr>
-      <p:grpSpPr>
-        <a:xfrm>
-          <a:off x="0" y="0"/>
-          <a:ext cx="0" cy="0"/>
-          <a:chOff x="0" y="0"/>
-          <a:chExt cx="0" cy="0"/>
-        </a:xfrm>
-      </p:grpSpPr>
-      <p:sp>
-        <p:nvSpPr>
-          <p:cNvPr id="2" name="タイトル 1"/>
-          <p:cNvSpPr>
-            <a:spLocks noGrp="1"/>
-          </p:cNvSpPr>
-          <p:nvPr>
-            <p:ph type="title"/>
-          </p:nvPr>
-        </p:nvSpPr>
-        <p:spPr>
-          <a:xfrm>
-            <a:off x="838200" y="0"/>
-            <a:ext cx="10515600" cy="1325563"/>
-          </a:xfrm>
-        </p:spPr>
-        <p:txBody>
-          <a:bodyPr/>
-          <a:lstStyle/>
-          <a:p>
-            <a:r>
-              <a:rPr lang="en-US" altLang="ja-JP" dirty="0"/>
-              <a:t>Feature </a:t>
-            </a:r>
-            <a:r>
-              <a:rPr lang="en-US" altLang="ja-JP" dirty="0" smtClean="0"/>
               <a:t>Importance for reorder</a:t>
             </a:r>
             <a:endParaRPr kumimoji="1" lang="ja-JP" altLang="en-US" dirty="0"/>
@@ -4032,7 +3831,7 @@
 </p:sld>
 </file>
 
-<file path=ppt/slides/slide12.xml><?xml version="1.0" encoding="utf-8"?>
+<file path=ppt/slides/slide11.xml><?xml version="1.0" encoding="utf-8"?>
 <p:sld xmlns:a="http://schemas.openxmlformats.org/drawingml/2006/main" xmlns:r="http://schemas.openxmlformats.org/officeDocument/2006/relationships" xmlns:p="http://schemas.openxmlformats.org/presentationml/2006/main">
   <p:cSld>
     <p:spTree>
@@ -4124,7 +3923,7 @@
 </p:sld>
 </file>
 
-<file path=ppt/slides/slide13.xml><?xml version="1.0" encoding="utf-8"?>
+<file path=ppt/slides/slide12.xml><?xml version="1.0" encoding="utf-8"?>
 <p:sld xmlns:a="http://schemas.openxmlformats.org/drawingml/2006/main" xmlns:r="http://schemas.openxmlformats.org/officeDocument/2006/relationships" xmlns:p="http://schemas.openxmlformats.org/presentationml/2006/main">
   <p:cSld>
     <p:spTree>
@@ -4231,7 +4030,7 @@
 </p:sld>
 </file>
 
-<file path=ppt/slides/slide14.xml><?xml version="1.0" encoding="utf-8"?>
+<file path=ppt/slides/slide13.xml><?xml version="1.0" encoding="utf-8"?>
 <p:sld xmlns:a="http://schemas.openxmlformats.org/drawingml/2006/main" xmlns:r="http://schemas.openxmlformats.org/officeDocument/2006/relationships" xmlns:p="http://schemas.openxmlformats.org/presentationml/2006/main">
   <p:cSld>
     <p:spTree>
@@ -4367,7 +4166,7 @@
 </p:sld>
 </file>
 
-<file path=ppt/slides/slide15.xml><?xml version="1.0" encoding="utf-8"?>
+<file path=ppt/slides/slide14.xml><?xml version="1.0" encoding="utf-8"?>
 <p:sld xmlns:a="http://schemas.openxmlformats.org/drawingml/2006/main" xmlns:r="http://schemas.openxmlformats.org/officeDocument/2006/relationships" xmlns:p="http://schemas.openxmlformats.org/presentationml/2006/main">
   <p:cSld>
     <p:spTree>
@@ -4511,7 +4310,7 @@
 </p:sld>
 </file>
 
-<file path=ppt/slides/slide16.xml><?xml version="1.0" encoding="utf-8"?>
+<file path=ppt/slides/slide15.xml><?xml version="1.0" encoding="utf-8"?>
 <p:sld xmlns:a="http://schemas.openxmlformats.org/drawingml/2006/main" xmlns:r="http://schemas.openxmlformats.org/officeDocument/2006/relationships" xmlns:p="http://schemas.openxmlformats.org/presentationml/2006/main">
   <p:cSld>
     <p:spTree>
@@ -4647,7 +4446,7 @@
 </p:sld>
 </file>
 
-<file path=ppt/slides/slide17.xml><?xml version="1.0" encoding="utf-8"?>
+<file path=ppt/slides/slide16.xml><?xml version="1.0" encoding="utf-8"?>
 <p:sld xmlns:a="http://schemas.openxmlformats.org/drawingml/2006/main" xmlns:r="http://schemas.openxmlformats.org/officeDocument/2006/relationships" xmlns:p="http://schemas.openxmlformats.org/presentationml/2006/main">
   <p:cSld>
     <p:spTree>
@@ -4813,7 +4612,7 @@
 </p:sld>
 </file>
 
-<file path=ppt/slides/slide18.xml><?xml version="1.0" encoding="utf-8"?>
+<file path=ppt/slides/slide17.xml><?xml version="1.0" encoding="utf-8"?>
 <p:sld xmlns:a="http://schemas.openxmlformats.org/drawingml/2006/main" xmlns:r="http://schemas.openxmlformats.org/officeDocument/2006/relationships" xmlns:p="http://schemas.openxmlformats.org/presentationml/2006/main">
   <p:cSld>
     <p:spTree>
@@ -4989,7 +4788,7 @@
 </p:sld>
 </file>
 
-<file path=ppt/slides/slide19.xml><?xml version="1.0" encoding="utf-8"?>
+<file path=ppt/slides/slide18.xml><?xml version="1.0" encoding="utf-8"?>
 <p:sld xmlns:a="http://schemas.openxmlformats.org/drawingml/2006/main" xmlns:r="http://schemas.openxmlformats.org/officeDocument/2006/relationships" xmlns:p="http://schemas.openxmlformats.org/presentationml/2006/main">
   <p:cSld>
     <p:spTree>
@@ -5082,7 +4881,15 @@
             </a:r>
             <a:r>
               <a:rPr lang="en-US" altLang="ja-JP" sz="2400" dirty="0"/>
-              <a:t>Fruits are reordered more frequently than </a:t>
+              <a:t>f</a:t>
+            </a:r>
+            <a:r>
+              <a:rPr lang="en-US" altLang="ja-JP" sz="2400" dirty="0" smtClean="0"/>
+              <a:t>ruits </a:t>
+            </a:r>
+            <a:r>
+              <a:rPr lang="en-US" altLang="ja-JP" sz="2400" dirty="0"/>
+              <a:t>are reordered more frequently than </a:t>
             </a:r>
             <a:r>
               <a:rPr lang="en-US" altLang="ja-JP" sz="2400" dirty="0" smtClean="0"/>
@@ -5165,9 +4972,19 @@
             </a:r>
             <a:r>
               <a:rPr kumimoji="1" lang="en-US" altLang="ja-JP" sz="2400" dirty="0" smtClean="0"/>
-              <a:t>not ordered(0)</a:t>
-            </a:r>
-            <a:endParaRPr kumimoji="1" lang="ja-JP" altLang="en-US" sz="2400" dirty="0"/>
+              <a:t>not ordered(0</a:t>
+            </a:r>
+            <a:r>
+              <a:rPr kumimoji="1" lang="en-US" altLang="ja-JP" sz="2400" dirty="0" smtClean="0"/>
+              <a:t>)</a:t>
+            </a:r>
+          </a:p>
+          <a:p>
+            <a:r>
+              <a:rPr lang="en-US" altLang="ja-JP" sz="2400" dirty="0" smtClean="0"/>
+              <a:t>Next page, for more details</a:t>
+            </a:r>
+            <a:endParaRPr kumimoji="1" lang="en-US" altLang="ja-JP" sz="2400" dirty="0" smtClean="0"/>
           </a:p>
         </p:txBody>
       </p:sp>
@@ -5214,6 +5031,157 @@
 </p:sld>
 </file>
 
+<file path=ppt/slides/slide19.xml><?xml version="1.0" encoding="utf-8"?>
+<p:sld xmlns:a="http://schemas.openxmlformats.org/drawingml/2006/main" xmlns:r="http://schemas.openxmlformats.org/officeDocument/2006/relationships" xmlns:p="http://schemas.openxmlformats.org/presentationml/2006/main">
+  <p:cSld>
+    <p:spTree>
+      <p:nvGrpSpPr>
+        <p:cNvPr id="1" name=""/>
+        <p:cNvGrpSpPr/>
+        <p:nvPr/>
+      </p:nvGrpSpPr>
+      <p:grpSpPr>
+        <a:xfrm>
+          <a:off x="0" y="0"/>
+          <a:ext cx="0" cy="0"/>
+          <a:chOff x="0" y="0"/>
+          <a:chExt cx="0" cy="0"/>
+        </a:xfrm>
+      </p:grpSpPr>
+      <p:sp>
+        <p:nvSpPr>
+          <p:cNvPr id="2" name="タイトル 1"/>
+          <p:cNvSpPr>
+            <a:spLocks noGrp="1"/>
+          </p:cNvSpPr>
+          <p:nvPr>
+            <p:ph type="title"/>
+          </p:nvPr>
+        </p:nvSpPr>
+        <p:spPr/>
+        <p:txBody>
+          <a:bodyPr/>
+          <a:lstStyle/>
+          <a:p>
+            <a:r>
+              <a:rPr lang="en-US" altLang="ja-JP" dirty="0"/>
+              <a:t>Important Findings for reorder - 3</a:t>
+            </a:r>
+            <a:endParaRPr kumimoji="1" lang="ja-JP" altLang="en-US" dirty="0"/>
+          </a:p>
+        </p:txBody>
+      </p:sp>
+      <p:sp>
+        <p:nvSpPr>
+          <p:cNvPr id="3" name="コンテンツ プレースホルダー 2"/>
+          <p:cNvSpPr>
+            <a:spLocks noGrp="1"/>
+          </p:cNvSpPr>
+          <p:nvPr>
+            <p:ph idx="1"/>
+          </p:nvPr>
+        </p:nvSpPr>
+        <p:spPr/>
+        <p:txBody>
+          <a:bodyPr/>
+          <a:lstStyle/>
+          <a:p>
+            <a:r>
+              <a:rPr lang="en-US" altLang="ja-JP" dirty="0" smtClean="0"/>
+              <a:t>Lets say </a:t>
+            </a:r>
+            <a:r>
+              <a:rPr lang="en-US" altLang="ja-JP" dirty="0"/>
+              <a:t>userA bought itemA at </a:t>
+            </a:r>
+            <a:r>
+              <a:rPr lang="en-US" altLang="ja-JP" dirty="0" smtClean="0"/>
+              <a:t>order_number 1 and 4</a:t>
+            </a:r>
+          </a:p>
+          <a:p>
+            <a:r>
+              <a:rPr lang="en-US" altLang="ja-JP" dirty="0" smtClean="0"/>
+              <a:t>And </a:t>
+            </a:r>
+            <a:r>
+              <a:rPr lang="en-US" altLang="ja-JP" dirty="0" err="1" smtClean="0"/>
+              <a:t>userB</a:t>
+            </a:r>
+            <a:r>
+              <a:rPr lang="en-US" altLang="ja-JP" dirty="0" smtClean="0"/>
+              <a:t> </a:t>
+            </a:r>
+            <a:r>
+              <a:rPr lang="en-US" altLang="ja-JP" dirty="0"/>
+              <a:t>bought </a:t>
+            </a:r>
+            <a:r>
+              <a:rPr lang="en-US" altLang="ja-JP" dirty="0" smtClean="0"/>
+              <a:t>itemA </a:t>
+            </a:r>
+            <a:r>
+              <a:rPr lang="en-US" altLang="ja-JP" dirty="0"/>
+              <a:t>at order_number </a:t>
+            </a:r>
+            <a:r>
+              <a:rPr lang="en-US" altLang="ja-JP" dirty="0" smtClean="0"/>
+              <a:t>1 </a:t>
+            </a:r>
+            <a:r>
+              <a:rPr lang="en-US" altLang="ja-JP" dirty="0"/>
+              <a:t>and 3</a:t>
+            </a:r>
+          </a:p>
+          <a:p>
+            <a:r>
+              <a:rPr lang="en-US" altLang="ja-JP" dirty="0" smtClean="0"/>
+              <a:t>item_10to1_ratio is 0.5</a:t>
+            </a:r>
+            <a:endParaRPr lang="ja-JP" altLang="en-US" dirty="0"/>
+          </a:p>
+          <a:p>
+            <a:endParaRPr kumimoji="1" lang="ja-JP" altLang="en-US" dirty="0"/>
+          </a:p>
+        </p:txBody>
+      </p:sp>
+      <p:pic>
+        <p:nvPicPr>
+          <p:cNvPr id="4" name="図 3"/>
+          <p:cNvPicPr>
+            <a:picLocks noChangeAspect="1"/>
+          </p:cNvPicPr>
+          <p:nvPr/>
+        </p:nvPicPr>
+        <p:blipFill>
+          <a:blip r:embed="rId2"/>
+          <a:stretch>
+            <a:fillRect/>
+          </a:stretch>
+        </p:blipFill>
+        <p:spPr>
+          <a:xfrm>
+            <a:off x="2876175" y="3562578"/>
+            <a:ext cx="5487896" cy="2990904"/>
+          </a:xfrm>
+          <a:prstGeom prst="rect">
+            <a:avLst/>
+          </a:prstGeom>
+        </p:spPr>
+      </p:pic>
+    </p:spTree>
+    <p:extLst>
+      <p:ext uri="{BB962C8B-B14F-4D97-AF65-F5344CB8AC3E}">
+        <p14:creationId xmlns:p14="http://schemas.microsoft.com/office/powerpoint/2010/main" val="1921896480"/>
+      </p:ext>
+    </p:extLst>
+  </p:cSld>
+  <p:clrMapOvr>
+    <a:masterClrMapping/>
+  </p:clrMapOvr>
+</p:sld>
+</file>
+
 <file path=ppt/slides/slide2.xml><?xml version="1.0" encoding="utf-8"?>
 <p:sld xmlns:a="http://schemas.openxmlformats.org/drawingml/2006/main" xmlns:r="http://schemas.openxmlformats.org/officeDocument/2006/relationships" xmlns:p="http://schemas.openxmlformats.org/presentationml/2006/main">
   <p:cSld>
@@ -5312,11 +5280,7 @@
             </a:pPr>
             <a:r>
               <a:rPr lang="en-US" altLang="ja-JP" dirty="0" smtClean="0"/>
-              <a:t>Feature </a:t>
-            </a:r>
-            <a:r>
-              <a:rPr lang="en-US" altLang="ja-JP" dirty="0" smtClean="0"/>
-              <a:t>Engineering</a:t>
+              <a:t>Feature Engineering</a:t>
             </a:r>
           </a:p>
           <a:p>
@@ -5329,7 +5293,6 @@
               <a:rPr lang="en-US" altLang="ja-JP" dirty="0" smtClean="0"/>
               <a:t>Feature Importance</a:t>
             </a:r>
-            <a:endParaRPr lang="en-US" altLang="ja-JP" dirty="0" smtClean="0"/>
           </a:p>
           <a:p>
             <a:pPr>
@@ -5350,11 +5313,7 @@
             </a:pPr>
             <a:r>
               <a:rPr lang="en-US" altLang="ja-JP" dirty="0" smtClean="0"/>
-              <a:t>F1 </a:t>
-            </a:r>
-            <a:r>
-              <a:rPr lang="en-US" altLang="ja-JP" dirty="0" smtClean="0"/>
-              <a:t>maximization</a:t>
+              <a:t>F1 maximization</a:t>
             </a:r>
             <a:endParaRPr kumimoji="1" lang="en-US" altLang="ja-JP" dirty="0" smtClean="0"/>
           </a:p>
@@ -6838,6 +6797,125 @@
 </p:sld>
 </file>
 
+<file path=ppt/slides/slide28.xml><?xml version="1.0" encoding="utf-8"?>
+<p:sld xmlns:a="http://schemas.openxmlformats.org/drawingml/2006/main" xmlns:r="http://schemas.openxmlformats.org/officeDocument/2006/relationships" xmlns:p="http://schemas.openxmlformats.org/presentationml/2006/main">
+  <p:cSld>
+    <p:spTree>
+      <p:nvGrpSpPr>
+        <p:cNvPr id="1" name=""/>
+        <p:cNvGrpSpPr/>
+        <p:nvPr/>
+      </p:nvGrpSpPr>
+      <p:grpSpPr>
+        <a:xfrm>
+          <a:off x="0" y="0"/>
+          <a:ext cx="0" cy="0"/>
+          <a:chOff x="0" y="0"/>
+          <a:chExt cx="0" cy="0"/>
+        </a:xfrm>
+      </p:grpSpPr>
+      <p:sp>
+        <p:nvSpPr>
+          <p:cNvPr id="2" name="タイトル 1"/>
+          <p:cNvSpPr>
+            <a:spLocks noGrp="1"/>
+          </p:cNvSpPr>
+          <p:nvPr>
+            <p:ph type="title"/>
+          </p:nvPr>
+        </p:nvSpPr>
+        <p:spPr/>
+        <p:txBody>
+          <a:bodyPr/>
+          <a:lstStyle/>
+          <a:p>
+            <a:r>
+              <a:rPr lang="en-US" altLang="ja-JP" dirty="0"/>
+              <a:t>F1 maximization</a:t>
+            </a:r>
+            <a:endParaRPr kumimoji="1" lang="ja-JP" altLang="en-US" dirty="0"/>
+          </a:p>
+        </p:txBody>
+      </p:sp>
+      <p:sp>
+        <p:nvSpPr>
+          <p:cNvPr id="3" name="コンテンツ プレースホルダー 2"/>
+          <p:cNvSpPr>
+            <a:spLocks noGrp="1"/>
+          </p:cNvSpPr>
+          <p:nvPr>
+            <p:ph idx="1"/>
+          </p:nvPr>
+        </p:nvSpPr>
+        <p:spPr/>
+        <p:txBody>
+          <a:bodyPr/>
+          <a:lstStyle/>
+          <a:p>
+            <a:pPr>
+              <a:lnSpc>
+                <a:spcPct val="150000"/>
+              </a:lnSpc>
+            </a:pPr>
+            <a:r>
+              <a:rPr kumimoji="1" lang="en-US" altLang="ja-JP" dirty="0" smtClean="0"/>
+              <a:t>In that method, None is probability of (1-itemA)*(1-itemB)*</a:t>
+            </a:r>
+            <a:r>
+              <a:rPr kumimoji="1" lang="mr-IN" altLang="ja-JP" dirty="0" smtClean="0"/>
+              <a:t>…</a:t>
+            </a:r>
+            <a:endParaRPr kumimoji="1" lang="en-US" altLang="ja-JP" dirty="0" smtClean="0"/>
+          </a:p>
+          <a:p>
+            <a:pPr>
+              <a:lnSpc>
+                <a:spcPct val="150000"/>
+              </a:lnSpc>
+            </a:pPr>
+            <a:r>
+              <a:rPr lang="en-US" altLang="ja-JP" dirty="0" smtClean="0"/>
+              <a:t>But I thought None can be predicted</a:t>
+            </a:r>
+          </a:p>
+          <a:p>
+            <a:pPr>
+              <a:lnSpc>
+                <a:spcPct val="150000"/>
+              </a:lnSpc>
+            </a:pPr>
+            <a:r>
+              <a:rPr kumimoji="1" lang="en-US" altLang="ja-JP" dirty="0" smtClean="0"/>
+              <a:t>Thus I made None model and handling None as item, got high score</a:t>
+            </a:r>
+          </a:p>
+          <a:p>
+            <a:pPr>
+              <a:lnSpc>
+                <a:spcPct val="150000"/>
+              </a:lnSpc>
+            </a:pPr>
+            <a:r>
+              <a:rPr lang="en-US" altLang="ja-JP" dirty="0" smtClean="0"/>
+              <a:t>This finding boost F1 0.400 to 0.407</a:t>
+            </a:r>
+            <a:endParaRPr kumimoji="1" lang="ja-JP" altLang="en-US" dirty="0"/>
+          </a:p>
+        </p:txBody>
+      </p:sp>
+    </p:spTree>
+    <p:extLst>
+      <p:ext uri="{BB962C8B-B14F-4D97-AF65-F5344CB8AC3E}">
+        <p14:creationId xmlns:p14="http://schemas.microsoft.com/office/powerpoint/2010/main" val="1581723291"/>
+      </p:ext>
+    </p:extLst>
+  </p:cSld>
+  <p:clrMapOvr>
+    <a:masterClrMapping/>
+  </p:clrMapOvr>
+</p:sld>
+</file>
+
 <file path=ppt/slides/slide3.xml><?xml version="1.0" encoding="utf-8"?>
 <p:sld xmlns:a="http://schemas.openxmlformats.org/drawingml/2006/main" xmlns:r="http://schemas.openxmlformats.org/officeDocument/2006/relationships" xmlns:p="http://schemas.openxmlformats.org/presentationml/2006/main">
   <p:cSld>
@@ -7058,6 +7136,54 @@
           </a:p>
         </p:txBody>
       </p:sp>
+      <p:pic>
+        <p:nvPicPr>
+          <p:cNvPr id="4" name="図 3"/>
+          <p:cNvPicPr>
+            <a:picLocks noChangeAspect="1"/>
+          </p:cNvPicPr>
+          <p:nvPr/>
+        </p:nvPicPr>
+        <p:blipFill>
+          <a:blip r:embed="rId2"/>
+          <a:stretch>
+            <a:fillRect/>
+          </a:stretch>
+        </p:blipFill>
+        <p:spPr>
+          <a:xfrm>
+            <a:off x="2681718" y="3082415"/>
+            <a:ext cx="5655458" cy="1730402"/>
+          </a:xfrm>
+          <a:prstGeom prst="rect">
+            <a:avLst/>
+          </a:prstGeom>
+        </p:spPr>
+      </p:pic>
+      <p:pic>
+        <p:nvPicPr>
+          <p:cNvPr id="5" name="図 4"/>
+          <p:cNvPicPr>
+            <a:picLocks noChangeAspect="1"/>
+          </p:cNvPicPr>
+          <p:nvPr/>
+        </p:nvPicPr>
+        <p:blipFill>
+          <a:blip r:embed="rId3"/>
+          <a:stretch>
+            <a:fillRect/>
+          </a:stretch>
+        </p:blipFill>
+        <p:spPr>
+          <a:xfrm>
+            <a:off x="2681718" y="4947754"/>
+            <a:ext cx="5649577" cy="1728602"/>
+          </a:xfrm>
+          <a:prstGeom prst="rect">
+            <a:avLst/>
+          </a:prstGeom>
+        </p:spPr>
+      </p:pic>
     </p:spTree>
     <p:extLst>
       <p:ext uri="{BB962C8B-B14F-4D97-AF65-F5344CB8AC3E}">
@@ -7072,107 +7198,6 @@
 </file>
 
 <file path=ppt/slides/slide5.xml><?xml version="1.0" encoding="utf-8"?>
-<p:sld xmlns:a="http://schemas.openxmlformats.org/drawingml/2006/main" xmlns:r="http://schemas.openxmlformats.org/officeDocument/2006/relationships" xmlns:p="http://schemas.openxmlformats.org/presentationml/2006/main">
-  <p:cSld>
-    <p:spTree>
-      <p:nvGrpSpPr>
-        <p:cNvPr id="1" name=""/>
-        <p:cNvGrpSpPr/>
-        <p:nvPr/>
-      </p:nvGrpSpPr>
-      <p:grpSpPr>
-        <a:xfrm>
-          <a:off x="0" y="0"/>
-          <a:ext cx="0" cy="0"/>
-          <a:chOff x="0" y="0"/>
-          <a:chExt cx="0" cy="0"/>
-        </a:xfrm>
-      </p:grpSpPr>
-      <p:sp>
-        <p:nvSpPr>
-          <p:cNvPr id="2" name="タイトル 1"/>
-          <p:cNvSpPr>
-            <a:spLocks noGrp="1"/>
-          </p:cNvSpPr>
-          <p:nvPr>
-            <p:ph type="title"/>
-          </p:nvPr>
-        </p:nvSpPr>
-        <p:spPr/>
-        <p:txBody>
-          <a:bodyPr/>
-          <a:lstStyle/>
-          <a:p>
-            <a:r>
-              <a:rPr lang="en-US" altLang="ja-JP" dirty="0"/>
-              <a:t>Problem Overview</a:t>
-            </a:r>
-            <a:endParaRPr kumimoji="1" lang="ja-JP" altLang="en-US" dirty="0"/>
-          </a:p>
-        </p:txBody>
-      </p:sp>
-      <p:pic>
-        <p:nvPicPr>
-          <p:cNvPr id="6" name="図 5"/>
-          <p:cNvPicPr>
-            <a:picLocks noChangeAspect="1"/>
-          </p:cNvPicPr>
-          <p:nvPr/>
-        </p:nvPicPr>
-        <p:blipFill>
-          <a:blip r:embed="rId2"/>
-          <a:stretch>
-            <a:fillRect/>
-          </a:stretch>
-        </p:blipFill>
-        <p:spPr>
-          <a:xfrm>
-            <a:off x="2869977" y="1984319"/>
-            <a:ext cx="6417511" cy="1963567"/>
-          </a:xfrm>
-          <a:prstGeom prst="rect">
-            <a:avLst/>
-          </a:prstGeom>
-        </p:spPr>
-      </p:pic>
-      <p:pic>
-        <p:nvPicPr>
-          <p:cNvPr id="7" name="図 6"/>
-          <p:cNvPicPr>
-            <a:picLocks noChangeAspect="1"/>
-          </p:cNvPicPr>
-          <p:nvPr/>
-        </p:nvPicPr>
-        <p:blipFill>
-          <a:blip r:embed="rId3"/>
-          <a:stretch>
-            <a:fillRect/>
-          </a:stretch>
-        </p:blipFill>
-        <p:spPr>
-          <a:xfrm>
-            <a:off x="2869977" y="4163502"/>
-            <a:ext cx="6410838" cy="1961525"/>
-          </a:xfrm>
-          <a:prstGeom prst="rect">
-            <a:avLst/>
-          </a:prstGeom>
-        </p:spPr>
-      </p:pic>
-    </p:spTree>
-    <p:extLst>
-      <p:ext uri="{BB962C8B-B14F-4D97-AF65-F5344CB8AC3E}">
-        <p14:creationId xmlns:p14="http://schemas.microsoft.com/office/powerpoint/2010/main" val="1354936871"/>
-      </p:ext>
-    </p:extLst>
-  </p:cSld>
-  <p:clrMapOvr>
-    <a:masterClrMapping/>
-  </p:clrMapOvr>
-</p:sld>
-</file>
-
-<file path=ppt/slides/slide6.xml><?xml version="1.0" encoding="utf-8"?>
 <p:sld xmlns:a="http://schemas.openxmlformats.org/drawingml/2006/main" xmlns:r="http://schemas.openxmlformats.org/officeDocument/2006/relationships" xmlns:p="http://schemas.openxmlformats.org/presentationml/2006/main">
   <p:cSld>
     <p:spTree>
@@ -7351,7 +7376,7 @@
 </p:sld>
 </file>
 
-<file path=ppt/slides/slide7.xml><?xml version="1.0" encoding="utf-8"?>
+<file path=ppt/slides/slide6.xml><?xml version="1.0" encoding="utf-8"?>
 <p:sld xmlns:a="http://schemas.openxmlformats.org/drawingml/2006/main" xmlns:r="http://schemas.openxmlformats.org/officeDocument/2006/relationships" xmlns:p="http://schemas.openxmlformats.org/presentationml/2006/main">
   <p:cSld>
     <p:spTree>
@@ -7538,6 +7563,193 @@
 </p:sld>
 </file>
 
+<file path=ppt/slides/slide7.xml><?xml version="1.0" encoding="utf-8"?>
+<p:sld xmlns:a="http://schemas.openxmlformats.org/drawingml/2006/main" xmlns:r="http://schemas.openxmlformats.org/officeDocument/2006/relationships" xmlns:p="http://schemas.openxmlformats.org/presentationml/2006/main">
+  <p:cSld>
+    <p:spTree>
+      <p:nvGrpSpPr>
+        <p:cNvPr id="1" name=""/>
+        <p:cNvGrpSpPr/>
+        <p:nvPr/>
+      </p:nvGrpSpPr>
+      <p:grpSpPr>
+        <a:xfrm>
+          <a:off x="0" y="0"/>
+          <a:ext cx="0" cy="0"/>
+          <a:chOff x="0" y="0"/>
+          <a:chExt cx="0" cy="0"/>
+        </a:xfrm>
+      </p:grpSpPr>
+      <p:sp>
+        <p:nvSpPr>
+          <p:cNvPr id="2" name="タイトル 1"/>
+          <p:cNvSpPr>
+            <a:spLocks noGrp="1"/>
+          </p:cNvSpPr>
+          <p:nvPr>
+            <p:ph type="title"/>
+          </p:nvPr>
+        </p:nvSpPr>
+        <p:spPr/>
+        <p:txBody>
+          <a:bodyPr/>
+          <a:lstStyle/>
+          <a:p>
+            <a:r>
+              <a:rPr kumimoji="1" lang="en-US" altLang="ja-JP" dirty="0" smtClean="0"/>
+              <a:t>Main Approach</a:t>
+            </a:r>
+            <a:endParaRPr kumimoji="1" lang="ja-JP" altLang="en-US" dirty="0"/>
+          </a:p>
+        </p:txBody>
+      </p:sp>
+      <p:sp>
+        <p:nvSpPr>
+          <p:cNvPr id="3" name="コンテンツ プレースホルダー 2"/>
+          <p:cNvSpPr>
+            <a:spLocks noGrp="1"/>
+          </p:cNvSpPr>
+          <p:nvPr>
+            <p:ph idx="1"/>
+          </p:nvPr>
+        </p:nvSpPr>
+        <p:spPr>
+          <a:xfrm>
+            <a:off x="261257" y="1573307"/>
+            <a:ext cx="11669486" cy="5059722"/>
+          </a:xfrm>
+        </p:spPr>
+        <p:txBody>
+          <a:bodyPr>
+            <a:normAutofit fontScale="92500" lnSpcReduction="20000"/>
+          </a:bodyPr>
+          <a:lstStyle/>
+          <a:p>
+            <a:pPr>
+              <a:lnSpc>
+                <a:spcPct val="150000"/>
+              </a:lnSpc>
+            </a:pPr>
+            <a:r>
+              <a:rPr kumimoji="1" lang="en-US" altLang="ja-JP" dirty="0" smtClean="0"/>
+              <a:t>I made 2 models. For predicting reorder and for </a:t>
+            </a:r>
+            <a:r>
+              <a:rPr lang="en-US" altLang="ja-JP" dirty="0"/>
+              <a:t>predicting </a:t>
+            </a:r>
+            <a:r>
+              <a:rPr kumimoji="1" lang="en-US" altLang="ja-JP" dirty="0" smtClean="0"/>
+              <a:t>None*</a:t>
+            </a:r>
+            <a:endParaRPr kumimoji="1" lang="en-US" altLang="ja-JP" dirty="0" smtClean="0"/>
+          </a:p>
+          <a:p>
+            <a:pPr>
+              <a:lnSpc>
+                <a:spcPct val="150000"/>
+              </a:lnSpc>
+            </a:pPr>
+            <a:r>
+              <a:rPr lang="en-US" altLang="ja-JP" dirty="0" smtClean="0"/>
+              <a:t>reorder model’s keys are user_id and product_id</a:t>
+            </a:r>
+          </a:p>
+          <a:p>
+            <a:pPr>
+              <a:lnSpc>
+                <a:spcPct val="150000"/>
+              </a:lnSpc>
+            </a:pPr>
+            <a:r>
+              <a:rPr kumimoji="1" lang="en-US" altLang="ja-JP" dirty="0" smtClean="0"/>
+              <a:t>None model’s key is only </a:t>
+            </a:r>
+            <a:r>
+              <a:rPr lang="en-US" altLang="ja-JP" dirty="0" smtClean="0"/>
+              <a:t>u</a:t>
+            </a:r>
+            <a:r>
+              <a:rPr kumimoji="1" lang="en-US" altLang="ja-JP" dirty="0" smtClean="0"/>
+              <a:t>ser_id</a:t>
+            </a:r>
+          </a:p>
+          <a:p>
+            <a:pPr>
+              <a:lnSpc>
+                <a:spcPct val="150000"/>
+              </a:lnSpc>
+            </a:pPr>
+            <a:r>
+              <a:rPr kumimoji="1" lang="en-US" altLang="ja-JP" dirty="0" smtClean="0"/>
+              <a:t>I thought I should use more train data to make better prediction</a:t>
+            </a:r>
+          </a:p>
+          <a:p>
+            <a:pPr>
+              <a:lnSpc>
+                <a:spcPct val="150000"/>
+              </a:lnSpc>
+            </a:pPr>
+            <a:r>
+              <a:rPr lang="en-US" altLang="ja-JP" dirty="0" smtClean="0"/>
+              <a:t>I decided to use prior as train</a:t>
+            </a:r>
+          </a:p>
+          <a:p>
+            <a:pPr>
+              <a:lnSpc>
+                <a:spcPct val="150000"/>
+              </a:lnSpc>
+            </a:pPr>
+            <a:r>
+              <a:rPr lang="en-US" altLang="ja-JP" dirty="0" smtClean="0"/>
+              <a:t>As a result of tunings, best window size is 3</a:t>
+            </a:r>
+          </a:p>
+          <a:p>
+            <a:pPr>
+              <a:lnSpc>
+                <a:spcPct val="150000"/>
+              </a:lnSpc>
+            </a:pPr>
+            <a:r>
+              <a:rPr lang="en-US" altLang="ja-JP" dirty="0" smtClean="0"/>
+              <a:t>See next page for </a:t>
+            </a:r>
+            <a:r>
+              <a:rPr lang="en-US" altLang="ja-JP" dirty="0" smtClean="0"/>
+              <a:t>details</a:t>
+            </a:r>
+          </a:p>
+          <a:p>
+            <a:pPr marL="0" indent="0">
+              <a:lnSpc>
+                <a:spcPct val="150000"/>
+              </a:lnSpc>
+              <a:buNone/>
+            </a:pPr>
+            <a:r>
+              <a:rPr lang="en-US" altLang="ja-JP" sz="1900" dirty="0" smtClean="0"/>
+              <a:t>*None means there is no reorder</a:t>
+            </a:r>
+            <a:endParaRPr lang="en-US" altLang="ja-JP" sz="1900" dirty="0" smtClean="0"/>
+          </a:p>
+        </p:txBody>
+      </p:sp>
+    </p:spTree>
+    <p:extLst>
+      <p:ext uri="{BB962C8B-B14F-4D97-AF65-F5344CB8AC3E}">
+        <p14:creationId xmlns:p14="http://schemas.microsoft.com/office/powerpoint/2010/main" val="944304339"/>
+      </p:ext>
+    </p:extLst>
+  </p:cSld>
+  <p:clrMapOvr>
+    <a:masterClrMapping/>
+  </p:clrMapOvr>
+</p:sld>
+</file>
+
 <file path=ppt/slides/slide8.xml><?xml version="1.0" encoding="utf-8"?>
 <p:sld xmlns:a="http://schemas.openxmlformats.org/drawingml/2006/main" xmlns:r="http://schemas.openxmlformats.org/officeDocument/2006/relationships" xmlns:p="http://schemas.openxmlformats.org/presentationml/2006/main">
   <p:cSld>
@@ -7565,139 +7777,52 @@
             <p:ph type="title"/>
           </p:nvPr>
         </p:nvSpPr>
-        <p:spPr/>
-        <p:txBody>
-          <a:bodyPr/>
-          <a:lstStyle/>
-          <a:p>
-            <a:r>
-              <a:rPr kumimoji="1" lang="en-US" altLang="ja-JP" dirty="0" smtClean="0"/>
-              <a:t>Main Approach</a:t>
-            </a:r>
-            <a:endParaRPr kumimoji="1" lang="ja-JP" altLang="en-US" dirty="0"/>
-          </a:p>
-        </p:txBody>
-      </p:sp>
-      <p:sp>
-        <p:nvSpPr>
-          <p:cNvPr id="3" name="コンテンツ プレースホルダー 2"/>
-          <p:cNvSpPr>
-            <a:spLocks noGrp="1"/>
-          </p:cNvSpPr>
-          <p:nvPr>
-            <p:ph idx="1"/>
-          </p:nvPr>
-        </p:nvSpPr>
         <p:spPr>
           <a:xfrm>
-            <a:off x="261257" y="1943099"/>
-            <a:ext cx="11669486" cy="4689929"/>
+            <a:off x="809172" y="101601"/>
+            <a:ext cx="10515600" cy="928914"/>
           </a:xfrm>
         </p:spPr>
         <p:txBody>
-          <a:bodyPr>
-            <a:normAutofit fontScale="92500" lnSpcReduction="20000"/>
-          </a:bodyPr>
-          <a:lstStyle/>
-          <a:p>
-            <a:pPr>
-              <a:lnSpc>
-                <a:spcPct val="150000"/>
-              </a:lnSpc>
-            </a:pPr>
-            <a:r>
-              <a:rPr kumimoji="1" lang="en-US" altLang="ja-JP" dirty="0" smtClean="0"/>
-              <a:t>I made 2 models. For predicting reorder and for </a:t>
-            </a:r>
+          <a:bodyPr/>
+          <a:lstStyle/>
+          <a:p>
             <a:r>
               <a:rPr lang="en-US" altLang="ja-JP" dirty="0"/>
-              <a:t>predicting </a:t>
-            </a:r>
-            <a:r>
-              <a:rPr kumimoji="1" lang="en-US" altLang="ja-JP" dirty="0" smtClean="0"/>
-              <a:t>None</a:t>
-            </a:r>
-          </a:p>
-          <a:p>
-            <a:pPr>
-              <a:lnSpc>
-                <a:spcPct val="150000"/>
-              </a:lnSpc>
-            </a:pPr>
-            <a:r>
-              <a:rPr lang="en-US" altLang="ja-JP" dirty="0" smtClean="0"/>
-              <a:t>reorder model’s keys are user_id and product_id</a:t>
-            </a:r>
-          </a:p>
-          <a:p>
-            <a:pPr>
-              <a:lnSpc>
-                <a:spcPct val="150000"/>
-              </a:lnSpc>
-            </a:pPr>
-            <a:r>
-              <a:rPr kumimoji="1" lang="en-US" altLang="ja-JP" dirty="0" smtClean="0"/>
-              <a:t>None model’s key is only </a:t>
-            </a:r>
-            <a:r>
-              <a:rPr lang="en-US" altLang="ja-JP" dirty="0" smtClean="0"/>
-              <a:t>u</a:t>
-            </a:r>
-            <a:r>
-              <a:rPr kumimoji="1" lang="en-US" altLang="ja-JP" dirty="0" smtClean="0"/>
-              <a:t>ser_id</a:t>
-            </a:r>
-          </a:p>
-          <a:p>
-            <a:pPr>
-              <a:lnSpc>
-                <a:spcPct val="150000"/>
-              </a:lnSpc>
-            </a:pPr>
-            <a:r>
-              <a:rPr kumimoji="1" lang="en-US" altLang="ja-JP" dirty="0" smtClean="0"/>
-              <a:t>I thought I should use more train data to make better prediction</a:t>
-            </a:r>
-          </a:p>
-          <a:p>
-            <a:pPr>
-              <a:lnSpc>
-                <a:spcPct val="150000"/>
-              </a:lnSpc>
-            </a:pPr>
-            <a:r>
-              <a:rPr lang="en-US" altLang="ja-JP" dirty="0" smtClean="0"/>
-              <a:t>I decided to use prior as train</a:t>
-            </a:r>
-          </a:p>
-          <a:p>
-            <a:pPr>
-              <a:lnSpc>
-                <a:spcPct val="150000"/>
-              </a:lnSpc>
-            </a:pPr>
-            <a:r>
-              <a:rPr lang="en-US" altLang="ja-JP" dirty="0" smtClean="0"/>
-              <a:t>As a result of tunings, best window size is 3</a:t>
-            </a:r>
-          </a:p>
-          <a:p>
-            <a:pPr>
-              <a:lnSpc>
-                <a:spcPct val="150000"/>
-              </a:lnSpc>
-            </a:pPr>
-            <a:r>
-              <a:rPr lang="en-US" altLang="ja-JP" dirty="0" smtClean="0"/>
-              <a:t>See next page for details</a:t>
-            </a:r>
-          </a:p>
-        </p:txBody>
-      </p:sp>
+              <a:t>Main Approach</a:t>
+            </a:r>
+            <a:endParaRPr kumimoji="1" lang="ja-JP" altLang="en-US" dirty="0"/>
+          </a:p>
+        </p:txBody>
+      </p:sp>
+      <p:pic>
+        <p:nvPicPr>
+          <p:cNvPr id="3" name="図 2"/>
+          <p:cNvPicPr>
+            <a:picLocks noChangeAspect="1"/>
+          </p:cNvPicPr>
+          <p:nvPr/>
+        </p:nvPicPr>
+        <p:blipFill>
+          <a:blip r:embed="rId2"/>
+          <a:stretch>
+            <a:fillRect/>
+          </a:stretch>
+        </p:blipFill>
+        <p:spPr>
+          <a:xfrm>
+            <a:off x="2841210" y="942478"/>
+            <a:ext cx="6451524" cy="5915522"/>
+          </a:xfrm>
+          <a:prstGeom prst="rect">
+            <a:avLst/>
+          </a:prstGeom>
+        </p:spPr>
+      </p:pic>
     </p:spTree>
     <p:extLst>
       <p:ext uri="{BB962C8B-B14F-4D97-AF65-F5344CB8AC3E}">
-        <p14:creationId xmlns:p14="http://schemas.microsoft.com/office/powerpoint/2010/main" val="944304339"/>
+        <p14:creationId xmlns:p14="http://schemas.microsoft.com/office/powerpoint/2010/main" val="915382088"/>
       </p:ext>
     </p:extLst>
   </p:cSld>
@@ -7736,8 +7861,8 @@
         </p:nvSpPr>
         <p:spPr>
           <a:xfrm>
-            <a:off x="809172" y="101601"/>
-            <a:ext cx="10515600" cy="928914"/>
+            <a:off x="838200" y="0"/>
+            <a:ext cx="10515600" cy="1325563"/>
           </a:xfrm>
         </p:spPr>
         <p:txBody>
@@ -7746,40 +7871,160 @@
           <a:p>
             <a:r>
               <a:rPr lang="en-US" altLang="ja-JP" dirty="0"/>
-              <a:t>Main Approach</a:t>
+              <a:t>Feature </a:t>
+            </a:r>
+            <a:r>
+              <a:rPr lang="en-US" altLang="ja-JP" dirty="0" smtClean="0"/>
+              <a:t>Engineering</a:t>
             </a:r>
             <a:endParaRPr kumimoji="1" lang="ja-JP" altLang="en-US" dirty="0"/>
           </a:p>
         </p:txBody>
       </p:sp>
-      <p:pic>
-        <p:nvPicPr>
-          <p:cNvPr id="5" name="図 4"/>
-          <p:cNvPicPr>
-            <a:picLocks noChangeAspect="1"/>
-          </p:cNvPicPr>
-          <p:nvPr/>
-        </p:nvPicPr>
-        <p:blipFill>
-          <a:blip r:embed="rId2"/>
-          <a:stretch>
-            <a:fillRect/>
-          </a:stretch>
-        </p:blipFill>
+      <p:sp>
+        <p:nvSpPr>
+          <p:cNvPr id="3" name="コンテンツ プレースホルダー 2"/>
+          <p:cNvSpPr>
+            <a:spLocks noGrp="1"/>
+          </p:cNvSpPr>
+          <p:nvPr>
+            <p:ph idx="1"/>
+          </p:nvPr>
+        </p:nvSpPr>
         <p:spPr>
           <a:xfrm>
-            <a:off x="1868557" y="1178050"/>
-            <a:ext cx="8396830" cy="5679950"/>
+            <a:off x="344557" y="1245704"/>
+            <a:ext cx="11009243" cy="5343781"/>
           </a:xfrm>
-          <a:prstGeom prst="rect">
-            <a:avLst/>
-          </a:prstGeom>
         </p:spPr>
-      </p:pic>
+        <p:txBody>
+          <a:bodyPr>
+            <a:normAutofit/>
+          </a:bodyPr>
+          <a:lstStyle/>
+          <a:p>
+            <a:r>
+              <a:rPr kumimoji="1" lang="en-US" altLang="ja-JP" sz="2400" dirty="0" smtClean="0"/>
+              <a:t>I made 4 types of features</a:t>
+            </a:r>
+          </a:p>
+          <a:p>
+            <a:endParaRPr kumimoji="1" lang="en-US" altLang="ja-JP" sz="2400" dirty="0" smtClean="0"/>
+          </a:p>
+          <a:p>
+            <a:pPr marL="514350" indent="-514350">
+              <a:buFont typeface="+mj-lt"/>
+              <a:buAutoNum type="arabicPeriod"/>
+            </a:pPr>
+            <a:r>
+              <a:rPr lang="en-US" altLang="ja-JP" sz="2400" dirty="0" smtClean="0"/>
+              <a:t>User</a:t>
+            </a:r>
+          </a:p>
+          <a:p>
+            <a:pPr lvl="1"/>
+            <a:r>
+              <a:rPr lang="en-US" altLang="ja-JP" dirty="0" smtClean="0"/>
+              <a:t>What this user like</a:t>
+            </a:r>
+          </a:p>
+          <a:p>
+            <a:pPr marL="514350" indent="-514350">
+              <a:buFont typeface="+mj-lt"/>
+              <a:buAutoNum type="arabicPeriod"/>
+            </a:pPr>
+            <a:r>
+              <a:rPr kumimoji="1" lang="en-US" altLang="ja-JP" sz="2400" dirty="0" smtClean="0"/>
+              <a:t>Item</a:t>
+            </a:r>
+          </a:p>
+          <a:p>
+            <a:pPr lvl="1"/>
+            <a:r>
+              <a:rPr lang="en-US" altLang="ja-JP" dirty="0"/>
+              <a:t>What this </a:t>
+            </a:r>
+            <a:r>
+              <a:rPr lang="en-US" altLang="ja-JP" dirty="0" smtClean="0"/>
+              <a:t>item like</a:t>
+            </a:r>
+            <a:endParaRPr lang="en-US" altLang="ja-JP" dirty="0"/>
+          </a:p>
+          <a:p>
+            <a:pPr marL="514350" indent="-514350">
+              <a:buFont typeface="+mj-lt"/>
+              <a:buAutoNum type="arabicPeriod"/>
+            </a:pPr>
+            <a:r>
+              <a:rPr lang="en-US" altLang="ja-JP" sz="2400" dirty="0" smtClean="0"/>
+              <a:t>User x Item</a:t>
+            </a:r>
+          </a:p>
+          <a:p>
+            <a:pPr lvl="1"/>
+            <a:r>
+              <a:rPr lang="en-US" altLang="ja-JP" dirty="0" smtClean="0"/>
+              <a:t>How do the user feel about the item</a:t>
+            </a:r>
+          </a:p>
+          <a:p>
+            <a:pPr marL="514350" indent="-514350">
+              <a:buFont typeface="+mj-lt"/>
+              <a:buAutoNum type="arabicPeriod"/>
+            </a:pPr>
+            <a:r>
+              <a:rPr kumimoji="1" lang="en-US" altLang="ja-JP" sz="2400" dirty="0" smtClean="0"/>
+              <a:t>Datetime</a:t>
+            </a:r>
+          </a:p>
+          <a:p>
+            <a:pPr lvl="1"/>
+            <a:r>
+              <a:rPr lang="en-US" altLang="ja-JP" dirty="0"/>
+              <a:t>What this </a:t>
+            </a:r>
+            <a:r>
+              <a:rPr lang="en-US" altLang="ja-JP" dirty="0" smtClean="0"/>
+              <a:t>day and hour like</a:t>
+            </a:r>
+          </a:p>
+          <a:p>
+            <a:pPr lvl="1"/>
+            <a:endParaRPr lang="en-US" altLang="ja-JP" dirty="0" smtClean="0"/>
+          </a:p>
+          <a:p>
+            <a:pPr marL="0" indent="0">
+              <a:buNone/>
+            </a:pPr>
+            <a:r>
+              <a:rPr lang="en-US" altLang="ja-JP" sz="2000" dirty="0" smtClean="0"/>
+              <a:t>*For None model, I can’t use above features except user and datetime. So I convert those to stats(min, mean, max, sum, </a:t>
+            </a:r>
+            <a:r>
+              <a:rPr lang="en-US" altLang="ja-JP" sz="2000" dirty="0" err="1" smtClean="0"/>
+              <a:t>std</a:t>
+            </a:r>
+            <a:r>
+              <a:rPr lang="mr-IN" altLang="ja-JP" sz="2000" dirty="0" smtClean="0"/>
+              <a:t>…</a:t>
+            </a:r>
+            <a:r>
+              <a:rPr lang="en-US" altLang="ja-JP" sz="2000" dirty="0" smtClean="0"/>
+              <a:t>).</a:t>
+            </a:r>
+          </a:p>
+          <a:p>
+            <a:pPr marL="0" indent="0">
+              <a:buNone/>
+            </a:pPr>
+            <a:endParaRPr lang="en-US" altLang="ja-JP" dirty="0"/>
+          </a:p>
+        </p:txBody>
+      </p:sp>
     </p:spTree>
     <p:extLst>
       <p:ext uri="{BB962C8B-B14F-4D97-AF65-F5344CB8AC3E}">
-        <p14:creationId xmlns:p14="http://schemas.microsoft.com/office/powerpoint/2010/main" val="915382088"/>
+        <p14:creationId xmlns:p14="http://schemas.microsoft.com/office/powerpoint/2010/main" val="1780876960"/>
       </p:ext>
     </p:extLst>
   </p:cSld>

--- a/Instacart 2nd Place Solution.pptx
+++ b/Instacart 2nd Place Solution.pptx
@@ -5,7 +5,7 @@
     <p:sldMasterId id="2147483648" r:id="rId1"/>
   </p:sldMasterIdLst>
   <p:notesMasterIdLst>
-    <p:notesMasterId r:id="rId30"/>
+    <p:notesMasterId r:id="rId31"/>
   </p:notesMasterIdLst>
   <p:sldIdLst>
     <p:sldId id="256" r:id="rId2"/>
@@ -36,6 +36,7 @@
     <p:sldId id="277" r:id="rId27"/>
     <p:sldId id="278" r:id="rId28"/>
     <p:sldId id="286" r:id="rId29"/>
+    <p:sldId id="287" r:id="rId30"/>
   </p:sldIdLst>
   <p:sldSz cx="12192000" cy="6858000"/>
   <p:notesSz cx="6858000" cy="9144000"/>
@@ -224,7 +225,7 @@
           <a:p>
             <a:fld id="{5FE7415A-8647-2248-BD40-927769871C7C}" type="datetimeFigureOut">
               <a:rPr kumimoji="1" lang="ja-JP" altLang="en-US" smtClean="0"/>
-              <a:t>2017/8/28</a:t>
+              <a:t>2017/8/29</a:t>
             </a:fld>
             <a:endParaRPr kumimoji="1" lang="ja-JP" altLang="en-US"/>
           </a:p>
@@ -655,7 +656,7 @@
           <a:p>
             <a:fld id="{E385AFC7-A80D-5C41-99B4-16FEE62FB8F3}" type="datetimeFigureOut">
               <a:rPr kumimoji="1" lang="ja-JP" altLang="en-US" smtClean="0"/>
-              <a:t>2017/8/28</a:t>
+              <a:t>2017/8/29</a:t>
             </a:fld>
             <a:endParaRPr kumimoji="1" lang="ja-JP" altLang="en-US"/>
           </a:p>
@@ -857,7 +858,7 @@
           <a:p>
             <a:fld id="{E385AFC7-A80D-5C41-99B4-16FEE62FB8F3}" type="datetimeFigureOut">
               <a:rPr kumimoji="1" lang="ja-JP" altLang="en-US" smtClean="0"/>
-              <a:t>2017/8/28</a:t>
+              <a:t>2017/8/29</a:t>
             </a:fld>
             <a:endParaRPr kumimoji="1" lang="ja-JP" altLang="en-US"/>
           </a:p>
@@ -1069,7 +1070,7 @@
           <a:p>
             <a:fld id="{E385AFC7-A80D-5C41-99B4-16FEE62FB8F3}" type="datetimeFigureOut">
               <a:rPr kumimoji="1" lang="ja-JP" altLang="en-US" smtClean="0"/>
-              <a:t>2017/8/28</a:t>
+              <a:t>2017/8/29</a:t>
             </a:fld>
             <a:endParaRPr kumimoji="1" lang="ja-JP" altLang="en-US"/>
           </a:p>
@@ -1271,7 +1272,7 @@
           <a:p>
             <a:fld id="{E385AFC7-A80D-5C41-99B4-16FEE62FB8F3}" type="datetimeFigureOut">
               <a:rPr kumimoji="1" lang="ja-JP" altLang="en-US" smtClean="0"/>
-              <a:t>2017/8/28</a:t>
+              <a:t>2017/8/29</a:t>
             </a:fld>
             <a:endParaRPr kumimoji="1" lang="ja-JP" altLang="en-US"/>
           </a:p>
@@ -1517,7 +1518,7 @@
           <a:p>
             <a:fld id="{E385AFC7-A80D-5C41-99B4-16FEE62FB8F3}" type="datetimeFigureOut">
               <a:rPr kumimoji="1" lang="ja-JP" altLang="en-US" smtClean="0"/>
-              <a:t>2017/8/28</a:t>
+              <a:t>2017/8/29</a:t>
             </a:fld>
             <a:endParaRPr kumimoji="1" lang="ja-JP" altLang="en-US"/>
           </a:p>
@@ -1813,7 +1814,7 @@
           <a:p>
             <a:fld id="{E385AFC7-A80D-5C41-99B4-16FEE62FB8F3}" type="datetimeFigureOut">
               <a:rPr kumimoji="1" lang="ja-JP" altLang="en-US" smtClean="0"/>
-              <a:t>2017/8/28</a:t>
+              <a:t>2017/8/29</a:t>
             </a:fld>
             <a:endParaRPr kumimoji="1" lang="ja-JP" altLang="en-US"/>
           </a:p>
@@ -2244,7 +2245,7 @@
           <a:p>
             <a:fld id="{E385AFC7-A80D-5C41-99B4-16FEE62FB8F3}" type="datetimeFigureOut">
               <a:rPr kumimoji="1" lang="ja-JP" altLang="en-US" smtClean="0"/>
-              <a:t>2017/8/28</a:t>
+              <a:t>2017/8/29</a:t>
             </a:fld>
             <a:endParaRPr kumimoji="1" lang="ja-JP" altLang="en-US"/>
           </a:p>
@@ -2362,7 +2363,7 @@
           <a:p>
             <a:fld id="{E385AFC7-A80D-5C41-99B4-16FEE62FB8F3}" type="datetimeFigureOut">
               <a:rPr kumimoji="1" lang="ja-JP" altLang="en-US" smtClean="0"/>
-              <a:t>2017/8/28</a:t>
+              <a:t>2017/8/29</a:t>
             </a:fld>
             <a:endParaRPr kumimoji="1" lang="ja-JP" altLang="en-US"/>
           </a:p>
@@ -2457,7 +2458,7 @@
           <a:p>
             <a:fld id="{E385AFC7-A80D-5C41-99B4-16FEE62FB8F3}" type="datetimeFigureOut">
               <a:rPr kumimoji="1" lang="ja-JP" altLang="en-US" smtClean="0"/>
-              <a:t>2017/8/28</a:t>
+              <a:t>2017/8/29</a:t>
             </a:fld>
             <a:endParaRPr kumimoji="1" lang="ja-JP" altLang="en-US"/>
           </a:p>
@@ -2766,7 +2767,7 @@
           <a:p>
             <a:fld id="{E385AFC7-A80D-5C41-99B4-16FEE62FB8F3}" type="datetimeFigureOut">
               <a:rPr kumimoji="1" lang="ja-JP" altLang="en-US" smtClean="0"/>
-              <a:t>2017/8/28</a:t>
+              <a:t>2017/8/29</a:t>
             </a:fld>
             <a:endParaRPr kumimoji="1" lang="ja-JP" altLang="en-US"/>
           </a:p>
@@ -3019,7 +3020,7 @@
           <a:p>
             <a:fld id="{E385AFC7-A80D-5C41-99B4-16FEE62FB8F3}" type="datetimeFigureOut">
               <a:rPr kumimoji="1" lang="ja-JP" altLang="en-US" smtClean="0"/>
-              <a:t>2017/8/28</a:t>
+              <a:t>2017/8/29</a:t>
             </a:fld>
             <a:endParaRPr kumimoji="1" lang="ja-JP" altLang="en-US"/>
           </a:p>
@@ -3264,7 +3265,7 @@
           <a:p>
             <a:fld id="{E385AFC7-A80D-5C41-99B4-16FEE62FB8F3}" type="datetimeFigureOut">
               <a:rPr kumimoji="1" lang="ja-JP" altLang="en-US" smtClean="0"/>
-              <a:t>2017/8/28</a:t>
+              <a:t>2017/8/29</a:t>
             </a:fld>
             <a:endParaRPr kumimoji="1" lang="ja-JP" altLang="en-US"/>
           </a:p>
@@ -4972,11 +4973,7 @@
             </a:r>
             <a:r>
               <a:rPr kumimoji="1" lang="en-US" altLang="ja-JP" sz="2400" dirty="0" smtClean="0"/>
-              <a:t>not ordered(0</a:t>
-            </a:r>
-            <a:r>
-              <a:rPr kumimoji="1" lang="en-US" altLang="ja-JP" sz="2400" dirty="0" smtClean="0"/>
-              <a:t>)</a:t>
+              <a:t>not ordered(0)</a:t>
             </a:r>
           </a:p>
           <a:p>
@@ -6916,6 +6913,200 @@
 </p:sld>
 </file>
 
+<file path=ppt/slides/slide29.xml><?xml version="1.0" encoding="utf-8"?>
+<p:sld xmlns:a="http://schemas.openxmlformats.org/drawingml/2006/main" xmlns:r="http://schemas.openxmlformats.org/officeDocument/2006/relationships" xmlns:p="http://schemas.openxmlformats.org/presentationml/2006/main">
+  <p:cSld>
+    <p:spTree>
+      <p:nvGrpSpPr>
+        <p:cNvPr id="1" name=""/>
+        <p:cNvGrpSpPr/>
+        <p:nvPr/>
+      </p:nvGrpSpPr>
+      <p:grpSpPr>
+        <a:xfrm>
+          <a:off x="0" y="0"/>
+          <a:ext cx="0" cy="0"/>
+          <a:chOff x="0" y="0"/>
+          <a:chExt cx="0" cy="0"/>
+        </a:xfrm>
+      </p:grpSpPr>
+      <p:sp>
+        <p:nvSpPr>
+          <p:cNvPr id="2" name="タイトル 1"/>
+          <p:cNvSpPr>
+            <a:spLocks noGrp="1"/>
+          </p:cNvSpPr>
+          <p:nvPr>
+            <p:ph type="title"/>
+          </p:nvPr>
+        </p:nvSpPr>
+        <p:spPr>
+          <a:xfrm>
+            <a:off x="838200" y="0"/>
+            <a:ext cx="10515600" cy="1325563"/>
+          </a:xfrm>
+        </p:spPr>
+        <p:txBody>
+          <a:bodyPr/>
+          <a:lstStyle/>
+          <a:p>
+            <a:r>
+              <a:rPr lang="en-US" altLang="ja-JP" dirty="0" smtClean="0"/>
+              <a:t>Appendix</a:t>
+            </a:r>
+            <a:endParaRPr kumimoji="1" lang="ja-JP" altLang="en-US" dirty="0"/>
+          </a:p>
+        </p:txBody>
+      </p:sp>
+      <p:sp>
+        <p:nvSpPr>
+          <p:cNvPr id="3" name="コンテンツ プレースホルダー 2"/>
+          <p:cNvSpPr>
+            <a:spLocks noGrp="1"/>
+          </p:cNvSpPr>
+          <p:nvPr>
+            <p:ph idx="1"/>
+          </p:nvPr>
+        </p:nvSpPr>
+        <p:spPr>
+          <a:xfrm>
+            <a:off x="147918" y="1210234"/>
+            <a:ext cx="11819964" cy="5647765"/>
+          </a:xfrm>
+        </p:spPr>
+        <p:txBody>
+          <a:bodyPr/>
+          <a:lstStyle/>
+          <a:p>
+            <a:r>
+              <a:rPr lang="en-US" altLang="ja-JP" dirty="0" smtClean="0"/>
+              <a:t>Evaluation metric is mean F1 score</a:t>
+            </a:r>
+          </a:p>
+          <a:p>
+            <a:endParaRPr kumimoji="1" lang="en-US" altLang="ja-JP" dirty="0"/>
+          </a:p>
+          <a:p>
+            <a:endParaRPr lang="en-US" altLang="ja-JP" dirty="0" smtClean="0"/>
+          </a:p>
+          <a:p>
+            <a:r>
+              <a:rPr kumimoji="1" lang="en-US" altLang="ja-JP" dirty="0" smtClean="0"/>
+              <a:t>Precision and Recall</a:t>
+            </a:r>
+            <a:endParaRPr kumimoji="1" lang="ja-JP" altLang="en-US" dirty="0"/>
+          </a:p>
+        </p:txBody>
+      </p:sp>
+      <p:pic>
+        <p:nvPicPr>
+          <p:cNvPr id="4" name="図 3"/>
+          <p:cNvPicPr>
+            <a:picLocks noChangeAspect="1"/>
+          </p:cNvPicPr>
+          <p:nvPr/>
+        </p:nvPicPr>
+        <p:blipFill>
+          <a:blip r:embed="rId2"/>
+          <a:stretch>
+            <a:fillRect/>
+          </a:stretch>
+        </p:blipFill>
+        <p:spPr>
+          <a:xfrm>
+            <a:off x="2988609" y="1804941"/>
+            <a:ext cx="5524500" cy="838200"/>
+          </a:xfrm>
+          <a:prstGeom prst="rect">
+            <a:avLst/>
+          </a:prstGeom>
+        </p:spPr>
+      </p:pic>
+      <p:pic>
+        <p:nvPicPr>
+          <p:cNvPr id="6" name="図 5"/>
+          <p:cNvPicPr>
+            <a:picLocks noChangeAspect="1"/>
+          </p:cNvPicPr>
+          <p:nvPr/>
+        </p:nvPicPr>
+        <p:blipFill>
+          <a:blip r:embed="rId3"/>
+          <a:stretch>
+            <a:fillRect/>
+          </a:stretch>
+        </p:blipFill>
+        <p:spPr>
+          <a:xfrm>
+            <a:off x="4150285" y="3198819"/>
+            <a:ext cx="1645397" cy="1309111"/>
+          </a:xfrm>
+          <a:prstGeom prst="rect">
+            <a:avLst/>
+          </a:prstGeom>
+        </p:spPr>
+      </p:pic>
+      <p:pic>
+        <p:nvPicPr>
+          <p:cNvPr id="7" name="図 6"/>
+          <p:cNvPicPr>
+            <a:picLocks noChangeAspect="1"/>
+          </p:cNvPicPr>
+          <p:nvPr/>
+        </p:nvPicPr>
+        <p:blipFill>
+          <a:blip r:embed="rId4"/>
+          <a:stretch>
+            <a:fillRect/>
+          </a:stretch>
+        </p:blipFill>
+        <p:spPr>
+          <a:xfrm>
+            <a:off x="3772834" y="4744439"/>
+            <a:ext cx="2400300" cy="673100"/>
+          </a:xfrm>
+          <a:prstGeom prst="rect">
+            <a:avLst/>
+          </a:prstGeom>
+        </p:spPr>
+      </p:pic>
+      <p:pic>
+        <p:nvPicPr>
+          <p:cNvPr id="8" name="図 7"/>
+          <p:cNvPicPr>
+            <a:picLocks noChangeAspect="1"/>
+          </p:cNvPicPr>
+          <p:nvPr/>
+        </p:nvPicPr>
+        <p:blipFill>
+          <a:blip r:embed="rId5"/>
+          <a:stretch>
+            <a:fillRect/>
+          </a:stretch>
+        </p:blipFill>
+        <p:spPr>
+          <a:xfrm>
+            <a:off x="3150534" y="5801219"/>
+            <a:ext cx="3644900" cy="673100"/>
+          </a:xfrm>
+          <a:prstGeom prst="rect">
+            <a:avLst/>
+          </a:prstGeom>
+        </p:spPr>
+      </p:pic>
+    </p:spTree>
+    <p:extLst>
+      <p:ext uri="{BB962C8B-B14F-4D97-AF65-F5344CB8AC3E}">
+        <p14:creationId xmlns:p14="http://schemas.microsoft.com/office/powerpoint/2010/main" val="1477460951"/>
+      </p:ext>
+    </p:extLst>
+  </p:cSld>
+  <p:clrMapOvr>
+    <a:masterClrMapping/>
+  </p:clrMapOvr>
+</p:sld>
+</file>
+
 <file path=ppt/slides/slide3.xml><?xml version="1.0" encoding="utf-8"?>
 <p:sld xmlns:a="http://schemas.openxmlformats.org/drawingml/2006/main" xmlns:r="http://schemas.openxmlformats.org/officeDocument/2006/relationships" xmlns:p="http://schemas.openxmlformats.org/presentationml/2006/main">
   <p:cSld>
@@ -7642,7 +7833,6 @@
               <a:rPr kumimoji="1" lang="en-US" altLang="ja-JP" dirty="0" smtClean="0"/>
               <a:t>None*</a:t>
             </a:r>
-            <a:endParaRPr kumimoji="1" lang="en-US" altLang="ja-JP" dirty="0" smtClean="0"/>
           </a:p>
           <a:p>
             <a:pPr>
@@ -7715,11 +7905,7 @@
             </a:pPr>
             <a:r>
               <a:rPr lang="en-US" altLang="ja-JP" dirty="0" smtClean="0"/>
-              <a:t>See next page for </a:t>
-            </a:r>
-            <a:r>
-              <a:rPr lang="en-US" altLang="ja-JP" dirty="0" smtClean="0"/>
-              <a:t>details</a:t>
+              <a:t>See next page for details</a:t>
             </a:r>
           </a:p>
           <a:p>
@@ -7733,7 +7919,6 @@
               <a:rPr lang="en-US" altLang="ja-JP" sz="1900" dirty="0" smtClean="0"/>
               <a:t>*None means there is no reorder</a:t>
             </a:r>
-            <a:endParaRPr lang="en-US" altLang="ja-JP" sz="1900" dirty="0" smtClean="0"/>
           </a:p>
         </p:txBody>
       </p:sp>

--- a/Instacart 2nd Place Solution.pptx
+++ b/Instacart 2nd Place Solution.pptx
@@ -5,7 +5,7 @@
     <p:sldMasterId id="2147483648" r:id="rId1"/>
   </p:sldMasterIdLst>
   <p:notesMasterIdLst>
-    <p:notesMasterId r:id="rId31"/>
+    <p:notesMasterId r:id="rId35"/>
   </p:notesMasterIdLst>
   <p:sldIdLst>
     <p:sldId id="256" r:id="rId2"/>
@@ -14,29 +14,33 @@
     <p:sldId id="259" r:id="rId5"/>
     <p:sldId id="261" r:id="rId6"/>
     <p:sldId id="262" r:id="rId7"/>
-    <p:sldId id="263" r:id="rId8"/>
-    <p:sldId id="264" r:id="rId9"/>
-    <p:sldId id="265" r:id="rId10"/>
-    <p:sldId id="283" r:id="rId11"/>
-    <p:sldId id="284" r:id="rId12"/>
-    <p:sldId id="266" r:id="rId13"/>
-    <p:sldId id="268" r:id="rId14"/>
-    <p:sldId id="269" r:id="rId15"/>
-    <p:sldId id="270" r:id="rId16"/>
-    <p:sldId id="271" r:id="rId17"/>
-    <p:sldId id="272" r:id="rId18"/>
-    <p:sldId id="273" r:id="rId19"/>
-    <p:sldId id="285" r:id="rId20"/>
-    <p:sldId id="280" r:id="rId21"/>
-    <p:sldId id="281" r:id="rId22"/>
-    <p:sldId id="282" r:id="rId23"/>
-    <p:sldId id="274" r:id="rId24"/>
-    <p:sldId id="275" r:id="rId25"/>
-    <p:sldId id="276" r:id="rId26"/>
-    <p:sldId id="277" r:id="rId27"/>
-    <p:sldId id="278" r:id="rId28"/>
-    <p:sldId id="286" r:id="rId29"/>
-    <p:sldId id="287" r:id="rId30"/>
+    <p:sldId id="287" r:id="rId8"/>
+    <p:sldId id="290" r:id="rId9"/>
+    <p:sldId id="263" r:id="rId10"/>
+    <p:sldId id="288" r:id="rId11"/>
+    <p:sldId id="289" r:id="rId12"/>
+    <p:sldId id="291" r:id="rId13"/>
+    <p:sldId id="264" r:id="rId14"/>
+    <p:sldId id="265" r:id="rId15"/>
+    <p:sldId id="283" r:id="rId16"/>
+    <p:sldId id="284" r:id="rId17"/>
+    <p:sldId id="266" r:id="rId18"/>
+    <p:sldId id="268" r:id="rId19"/>
+    <p:sldId id="269" r:id="rId20"/>
+    <p:sldId id="270" r:id="rId21"/>
+    <p:sldId id="271" r:id="rId22"/>
+    <p:sldId id="272" r:id="rId23"/>
+    <p:sldId id="273" r:id="rId24"/>
+    <p:sldId id="285" r:id="rId25"/>
+    <p:sldId id="280" r:id="rId26"/>
+    <p:sldId id="281" r:id="rId27"/>
+    <p:sldId id="282" r:id="rId28"/>
+    <p:sldId id="274" r:id="rId29"/>
+    <p:sldId id="275" r:id="rId30"/>
+    <p:sldId id="276" r:id="rId31"/>
+    <p:sldId id="277" r:id="rId32"/>
+    <p:sldId id="278" r:id="rId33"/>
+    <p:sldId id="286" r:id="rId34"/>
   </p:sldIdLst>
   <p:sldSz cx="12192000" cy="6858000"/>
   <p:notesSz cx="6858000" cy="9144000"/>
@@ -3738,6 +3742,13 @@
   <p:clrMapOvr>
     <a:masterClrMapping/>
   </p:clrMapOvr>
+  <p:timing>
+    <p:tnLst>
+      <p:par>
+        <p:cTn id="1" dur="indefinite" restart="never" nodeType="tmRoot"/>
+      </p:par>
+    </p:tnLst>
+  </p:timing>
 </p:sld>
 </file>
 
@@ -3770,21 +3781,47 @@
         </p:nvSpPr>
         <p:spPr>
           <a:xfrm>
-            <a:off x="838200" y="0"/>
-            <a:ext cx="10515600" cy="1325563"/>
-          </a:xfrm>
-        </p:spPr>
-        <p:txBody>
-          <a:bodyPr/>
-          <a:lstStyle/>
-          <a:p>
-            <a:r>
-              <a:rPr lang="en-US" altLang="ja-JP" dirty="0"/>
-              <a:t>Feature </a:t>
-            </a:r>
-            <a:r>
-              <a:rPr lang="en-US" altLang="ja-JP" dirty="0" smtClean="0"/>
-              <a:t>Importance for reorder</a:t>
+            <a:off x="800100" y="0"/>
+            <a:ext cx="10515600" cy="811213"/>
+          </a:xfrm>
+        </p:spPr>
+        <p:txBody>
+          <a:bodyPr>
+            <a:normAutofit/>
+          </a:bodyPr>
+          <a:lstStyle/>
+          <a:p>
+            <a:r>
+              <a:rPr lang="en-US" altLang="ja-JP" sz="3600" dirty="0"/>
+              <a:t>Main Approach</a:t>
+            </a:r>
+            <a:endParaRPr kumimoji="1" lang="ja-JP" altLang="en-US" sz="3600" dirty="0"/>
+          </a:p>
+        </p:txBody>
+      </p:sp>
+      <p:sp>
+        <p:nvSpPr>
+          <p:cNvPr id="3" name="コンテンツ プレースホルダー 2"/>
+          <p:cNvSpPr>
+            <a:spLocks noGrp="1"/>
+          </p:cNvSpPr>
+          <p:nvPr>
+            <p:ph idx="1"/>
+          </p:nvPr>
+        </p:nvSpPr>
+        <p:spPr>
+          <a:xfrm>
+            <a:off x="100012" y="811213"/>
+            <a:ext cx="11915775" cy="5532437"/>
+          </a:xfrm>
+        </p:spPr>
+        <p:txBody>
+          <a:bodyPr/>
+          <a:lstStyle/>
+          <a:p>
+            <a:r>
+              <a:rPr kumimoji="1" lang="en-US" altLang="ja-JP" dirty="0" smtClean="0"/>
+              <a:t>We are given orders.csv</a:t>
             </a:r>
             <a:endParaRPr kumimoji="1" lang="ja-JP" altLang="en-US" dirty="0"/>
           </a:p>
@@ -3792,13 +3829,11 @@
       </p:sp>
       <p:pic>
         <p:nvPicPr>
-          <p:cNvPr id="5" name="コンテンツ プレースホルダー 4"/>
+          <p:cNvPr id="7" name="図 6"/>
           <p:cNvPicPr>
-            <a:picLocks noGrp="1" noChangeAspect="1"/>
+            <a:picLocks noChangeAspect="1"/>
           </p:cNvPicPr>
-          <p:nvPr>
-            <p:ph idx="1"/>
-          </p:nvPr>
+          <p:nvPr/>
         </p:nvPicPr>
         <p:blipFill>
           <a:blip r:embed="rId2">
@@ -3814,15 +3849,18 @@
         </p:blipFill>
         <p:spPr>
           <a:xfrm>
-            <a:off x="1295400" y="968189"/>
-            <a:ext cx="8825821" cy="5738206"/>
-          </a:xfrm>
+            <a:off x="800100" y="1314450"/>
+            <a:ext cx="10640306" cy="5543550"/>
+          </a:xfrm>
+          <a:prstGeom prst="rect">
+            <a:avLst/>
+          </a:prstGeom>
         </p:spPr>
       </p:pic>
     </p:spTree>
     <p:extLst>
       <p:ext uri="{BB962C8B-B14F-4D97-AF65-F5344CB8AC3E}">
-        <p14:creationId xmlns:p14="http://schemas.microsoft.com/office/powerpoint/2010/main" val="1727174720"/>
+        <p14:creationId xmlns:p14="http://schemas.microsoft.com/office/powerpoint/2010/main" val="1472808966"/>
       </p:ext>
     </p:extLst>
   </p:cSld>
@@ -3861,23 +3899,53 @@
         </p:nvSpPr>
         <p:spPr>
           <a:xfrm>
-            <a:off x="838200" y="0"/>
-            <a:ext cx="10515600" cy="1325563"/>
-          </a:xfrm>
-        </p:spPr>
-        <p:txBody>
-          <a:bodyPr/>
-          <a:lstStyle/>
-          <a:p>
-            <a:r>
-              <a:rPr lang="en-US" altLang="ja-JP" dirty="0"/>
-              <a:t>Feature Importance for </a:t>
+            <a:off x="800100" y="0"/>
+            <a:ext cx="10515600" cy="811213"/>
+          </a:xfrm>
+        </p:spPr>
+        <p:txBody>
+          <a:bodyPr>
+            <a:normAutofit/>
+          </a:bodyPr>
+          <a:lstStyle/>
+          <a:p>
+            <a:r>
+              <a:rPr lang="en-US" altLang="ja-JP" sz="3600" dirty="0"/>
+              <a:t>Main Approach</a:t>
+            </a:r>
+            <a:endParaRPr kumimoji="1" lang="ja-JP" altLang="en-US" sz="3600" dirty="0"/>
+          </a:p>
+        </p:txBody>
+      </p:sp>
+      <p:sp>
+        <p:nvSpPr>
+          <p:cNvPr id="3" name="コンテンツ プレースホルダー 2"/>
+          <p:cNvSpPr>
+            <a:spLocks noGrp="1"/>
+          </p:cNvSpPr>
+          <p:nvPr>
+            <p:ph idx="1"/>
+          </p:nvPr>
+        </p:nvSpPr>
+        <p:spPr>
+          <a:xfrm>
+            <a:off x="100012" y="811213"/>
+            <a:ext cx="11915775" cy="5532437"/>
+          </a:xfrm>
+        </p:spPr>
+        <p:txBody>
+          <a:bodyPr/>
+          <a:lstStyle/>
+          <a:p>
+            <a:r>
+              <a:rPr kumimoji="1" lang="en-US" altLang="ja-JP" dirty="0" smtClean="0"/>
+              <a:t>We are given </a:t>
             </a:r>
             <a:r>
               <a:rPr lang="en-US" altLang="ja-JP" dirty="0" smtClean="0"/>
-              <a:t>None</a:t>
-            </a:r>
-            <a:endParaRPr kumimoji="1" lang="ja-JP" altLang="en-US" dirty="0"/>
+              <a:t>orders.csv</a:t>
+            </a:r>
+            <a:endParaRPr lang="ja-JP" altLang="en-US" dirty="0"/>
           </a:p>
         </p:txBody>
       </p:sp>
@@ -3903,8 +3971,8 @@
         </p:blipFill>
         <p:spPr>
           <a:xfrm>
-            <a:off x="1591235" y="990601"/>
-            <a:ext cx="8534400" cy="5867400"/>
+            <a:off x="1385888" y="1268730"/>
+            <a:ext cx="9315450" cy="5589270"/>
           </a:xfrm>
           <a:prstGeom prst="rect">
             <a:avLst/>
@@ -3914,7 +3982,7 @@
     </p:spTree>
     <p:extLst>
       <p:ext uri="{BB962C8B-B14F-4D97-AF65-F5344CB8AC3E}">
-        <p14:creationId xmlns:p14="http://schemas.microsoft.com/office/powerpoint/2010/main" val="375552531"/>
+        <p14:creationId xmlns:p14="http://schemas.microsoft.com/office/powerpoint/2010/main" val="217062179"/>
       </p:ext>
     </p:extLst>
   </p:cSld>
@@ -3951,77 +4019,112 @@
             <p:ph type="title"/>
           </p:nvPr>
         </p:nvSpPr>
-        <p:spPr/>
+        <p:spPr>
+          <a:xfrm>
+            <a:off x="838200" y="0"/>
+            <a:ext cx="10515600" cy="804863"/>
+          </a:xfrm>
+        </p:spPr>
         <p:txBody>
           <a:bodyPr/>
           <a:lstStyle/>
           <a:p>
             <a:r>
               <a:rPr lang="en-US" altLang="ja-JP" dirty="0"/>
-              <a:t>Important </a:t>
-            </a:r>
+              <a:t>Main Approach</a:t>
+            </a:r>
+            <a:endParaRPr kumimoji="1" lang="ja-JP" altLang="en-US" dirty="0"/>
+          </a:p>
+        </p:txBody>
+      </p:sp>
+      <p:sp>
+        <p:nvSpPr>
+          <p:cNvPr id="3" name="コンテンツ プレースホルダー 2"/>
+          <p:cNvSpPr>
+            <a:spLocks noGrp="1"/>
+          </p:cNvSpPr>
+          <p:nvPr>
+            <p:ph idx="1"/>
+          </p:nvPr>
+        </p:nvSpPr>
+        <p:spPr>
+          <a:xfrm>
+            <a:off x="157163" y="804862"/>
+            <a:ext cx="11858625" cy="6053137"/>
+          </a:xfrm>
+        </p:spPr>
+        <p:txBody>
+          <a:bodyPr/>
+          <a:lstStyle/>
+          <a:p>
+            <a:endParaRPr lang="en-US" altLang="ja-JP" dirty="0" smtClean="0"/>
+          </a:p>
+          <a:p>
+            <a:endParaRPr lang="en-US" altLang="ja-JP" dirty="0"/>
+          </a:p>
+          <a:p>
+            <a:endParaRPr lang="en-US" altLang="ja-JP" dirty="0" smtClean="0"/>
+          </a:p>
+          <a:p>
+            <a:endParaRPr lang="en-US" altLang="ja-JP" dirty="0"/>
+          </a:p>
+          <a:p>
+            <a:endParaRPr lang="en-US" altLang="ja-JP" dirty="0" smtClean="0"/>
+          </a:p>
+          <a:p>
             <a:r>
               <a:rPr lang="en-US" altLang="ja-JP" dirty="0" smtClean="0"/>
-              <a:t>Findings for reorder - 1</a:t>
-            </a:r>
+              <a:t>We </a:t>
+            </a:r>
+            <a:r>
+              <a:rPr lang="en-US" altLang="ja-JP" dirty="0"/>
+              <a:t>are given </a:t>
+            </a:r>
+            <a:r>
+              <a:rPr lang="en-US" altLang="ja-JP" dirty="0" smtClean="0"/>
+              <a:t>order_products.csv</a:t>
+            </a:r>
+            <a:endParaRPr lang="ja-JP" altLang="en-US" dirty="0"/>
+          </a:p>
+          <a:p>
             <a:endParaRPr kumimoji="1" lang="ja-JP" altLang="en-US" dirty="0"/>
           </a:p>
         </p:txBody>
       </p:sp>
-      <p:sp>
-        <p:nvSpPr>
-          <p:cNvPr id="3" name="コンテンツ プレースホルダー 2"/>
-          <p:cNvSpPr>
-            <a:spLocks noGrp="1"/>
-          </p:cNvSpPr>
-          <p:nvPr>
-            <p:ph idx="1"/>
-          </p:nvPr>
-        </p:nvSpPr>
-        <p:spPr/>
-        <p:txBody>
-          <a:bodyPr/>
-          <a:lstStyle/>
-          <a:p>
-            <a:r>
-              <a:rPr kumimoji="1" lang="en-US" altLang="ja-JP" dirty="0" smtClean="0"/>
-              <a:t>Common sense tells me the item bought many times has high probability for reordering</a:t>
-            </a:r>
-          </a:p>
-          <a:p>
-            <a:endParaRPr kumimoji="1" lang="en-US" altLang="ja-JP" dirty="0" smtClean="0"/>
-          </a:p>
-          <a:p>
-            <a:r>
-              <a:rPr lang="en-US" altLang="ja-JP" dirty="0" smtClean="0"/>
-              <a:t>Although the user bought the item many times, there is a timing for not reordering</a:t>
-            </a:r>
-          </a:p>
-          <a:p>
-            <a:endParaRPr lang="en-US" altLang="ja-JP" dirty="0" smtClean="0"/>
-          </a:p>
-          <a:p>
-            <a:r>
-              <a:rPr kumimoji="1" lang="en-US" altLang="ja-JP" dirty="0" smtClean="0"/>
-              <a:t>I could figure out why the user didn’t buy the item</a:t>
-            </a:r>
-          </a:p>
-          <a:p>
-            <a:endParaRPr kumimoji="1" lang="en-US" altLang="ja-JP" dirty="0" smtClean="0"/>
-          </a:p>
-          <a:p>
-            <a:r>
-              <a:rPr kumimoji="1" lang="en-US" altLang="ja-JP" dirty="0" smtClean="0"/>
-              <a:t>See next page for details</a:t>
-            </a:r>
-            <a:endParaRPr kumimoji="1" lang="ja-JP" altLang="en-US" dirty="0"/>
-          </a:p>
-        </p:txBody>
-      </p:sp>
+      <p:pic>
+        <p:nvPicPr>
+          <p:cNvPr id="4" name="図 3"/>
+          <p:cNvPicPr>
+            <a:picLocks noChangeAspect="1"/>
+          </p:cNvPicPr>
+          <p:nvPr/>
+        </p:nvPicPr>
+        <p:blipFill>
+          <a:blip r:embed="rId2">
+            <a:extLst>
+              <a:ext uri="{28A0092B-C50C-407E-A947-70E740481C1C}">
+                <a14:useLocalDpi xmlns:a14="http://schemas.microsoft.com/office/drawing/2010/main" val="0"/>
+              </a:ext>
+            </a:extLst>
+          </a:blip>
+          <a:stretch>
+            <a:fillRect/>
+          </a:stretch>
+        </p:blipFill>
+        <p:spPr>
+          <a:xfrm>
+            <a:off x="6223000" y="519112"/>
+            <a:ext cx="5130800" cy="6235700"/>
+          </a:xfrm>
+          <a:prstGeom prst="rect">
+            <a:avLst/>
+          </a:prstGeom>
+        </p:spPr>
+      </p:pic>
     </p:spTree>
     <p:extLst>
       <p:ext uri="{BB962C8B-B14F-4D97-AF65-F5344CB8AC3E}">
-        <p14:creationId xmlns:p14="http://schemas.microsoft.com/office/powerpoint/2010/main" val="1173741249"/>
+        <p14:creationId xmlns:p14="http://schemas.microsoft.com/office/powerpoint/2010/main" val="2052471731"/>
       </p:ext>
     </p:extLst>
   </p:cSld>
@@ -4060,6 +4163,615 @@
         </p:nvSpPr>
         <p:spPr>
           <a:xfrm>
+            <a:off x="809172" y="101601"/>
+            <a:ext cx="10515600" cy="928914"/>
+          </a:xfrm>
+        </p:spPr>
+        <p:txBody>
+          <a:bodyPr/>
+          <a:lstStyle/>
+          <a:p>
+            <a:r>
+              <a:rPr lang="en-US" altLang="ja-JP" dirty="0"/>
+              <a:t>Main Approach</a:t>
+            </a:r>
+            <a:endParaRPr kumimoji="1" lang="ja-JP" altLang="en-US" dirty="0"/>
+          </a:p>
+        </p:txBody>
+      </p:sp>
+      <p:pic>
+        <p:nvPicPr>
+          <p:cNvPr id="3" name="図 2"/>
+          <p:cNvPicPr>
+            <a:picLocks noChangeAspect="1"/>
+          </p:cNvPicPr>
+          <p:nvPr/>
+        </p:nvPicPr>
+        <p:blipFill>
+          <a:blip r:embed="rId2"/>
+          <a:stretch>
+            <a:fillRect/>
+          </a:stretch>
+        </p:blipFill>
+        <p:spPr>
+          <a:xfrm>
+            <a:off x="2841210" y="942478"/>
+            <a:ext cx="6451524" cy="5915522"/>
+          </a:xfrm>
+          <a:prstGeom prst="rect">
+            <a:avLst/>
+          </a:prstGeom>
+        </p:spPr>
+      </p:pic>
+    </p:spTree>
+    <p:extLst>
+      <p:ext uri="{BB962C8B-B14F-4D97-AF65-F5344CB8AC3E}">
+        <p14:creationId xmlns:p14="http://schemas.microsoft.com/office/powerpoint/2010/main" val="915382088"/>
+      </p:ext>
+    </p:extLst>
+  </p:cSld>
+  <p:clrMapOvr>
+    <a:masterClrMapping/>
+  </p:clrMapOvr>
+  <p:timing>
+    <p:tnLst>
+      <p:par>
+        <p:cTn id="1" dur="indefinite" restart="never" nodeType="tmRoot"/>
+      </p:par>
+    </p:tnLst>
+  </p:timing>
+</p:sld>
+</file>
+
+<file path=ppt/slides/slide14.xml><?xml version="1.0" encoding="utf-8"?>
+<p:sld xmlns:a="http://schemas.openxmlformats.org/drawingml/2006/main" xmlns:r="http://schemas.openxmlformats.org/officeDocument/2006/relationships" xmlns:p="http://schemas.openxmlformats.org/presentationml/2006/main">
+  <p:cSld>
+    <p:spTree>
+      <p:nvGrpSpPr>
+        <p:cNvPr id="1" name=""/>
+        <p:cNvGrpSpPr/>
+        <p:nvPr/>
+      </p:nvGrpSpPr>
+      <p:grpSpPr>
+        <a:xfrm>
+          <a:off x="0" y="0"/>
+          <a:ext cx="0" cy="0"/>
+          <a:chOff x="0" y="0"/>
+          <a:chExt cx="0" cy="0"/>
+        </a:xfrm>
+      </p:grpSpPr>
+      <p:sp>
+        <p:nvSpPr>
+          <p:cNvPr id="2" name="タイトル 1"/>
+          <p:cNvSpPr>
+            <a:spLocks noGrp="1"/>
+          </p:cNvSpPr>
+          <p:nvPr>
+            <p:ph type="title"/>
+          </p:nvPr>
+        </p:nvSpPr>
+        <p:spPr>
+          <a:xfrm>
+            <a:off x="838200" y="0"/>
+            <a:ext cx="10515600" cy="1325563"/>
+          </a:xfrm>
+        </p:spPr>
+        <p:txBody>
+          <a:bodyPr/>
+          <a:lstStyle/>
+          <a:p>
+            <a:r>
+              <a:rPr lang="en-US" altLang="ja-JP" dirty="0"/>
+              <a:t>Feature </a:t>
+            </a:r>
+            <a:r>
+              <a:rPr lang="en-US" altLang="ja-JP" dirty="0" smtClean="0"/>
+              <a:t>Engineering</a:t>
+            </a:r>
+            <a:endParaRPr kumimoji="1" lang="ja-JP" altLang="en-US" dirty="0"/>
+          </a:p>
+        </p:txBody>
+      </p:sp>
+      <p:sp>
+        <p:nvSpPr>
+          <p:cNvPr id="3" name="コンテンツ プレースホルダー 2"/>
+          <p:cNvSpPr>
+            <a:spLocks noGrp="1"/>
+          </p:cNvSpPr>
+          <p:nvPr>
+            <p:ph idx="1"/>
+          </p:nvPr>
+        </p:nvSpPr>
+        <p:spPr>
+          <a:xfrm>
+            <a:off x="344557" y="1245704"/>
+            <a:ext cx="11009243" cy="5343781"/>
+          </a:xfrm>
+        </p:spPr>
+        <p:txBody>
+          <a:bodyPr>
+            <a:normAutofit/>
+          </a:bodyPr>
+          <a:lstStyle/>
+          <a:p>
+            <a:r>
+              <a:rPr kumimoji="1" lang="en-US" altLang="ja-JP" sz="2400" dirty="0" smtClean="0"/>
+              <a:t>I made 4 types of features</a:t>
+            </a:r>
+          </a:p>
+          <a:p>
+            <a:endParaRPr kumimoji="1" lang="en-US" altLang="ja-JP" sz="2400" dirty="0" smtClean="0"/>
+          </a:p>
+          <a:p>
+            <a:pPr marL="514350" indent="-514350">
+              <a:buFont typeface="+mj-lt"/>
+              <a:buAutoNum type="arabicPeriod"/>
+            </a:pPr>
+            <a:r>
+              <a:rPr lang="en-US" altLang="ja-JP" sz="2400" dirty="0" smtClean="0"/>
+              <a:t>User</a:t>
+            </a:r>
+          </a:p>
+          <a:p>
+            <a:pPr lvl="1"/>
+            <a:r>
+              <a:rPr lang="en-US" altLang="ja-JP" dirty="0" smtClean="0"/>
+              <a:t>What this user like</a:t>
+            </a:r>
+          </a:p>
+          <a:p>
+            <a:pPr marL="514350" indent="-514350">
+              <a:buFont typeface="+mj-lt"/>
+              <a:buAutoNum type="arabicPeriod"/>
+            </a:pPr>
+            <a:r>
+              <a:rPr kumimoji="1" lang="en-US" altLang="ja-JP" sz="2400" dirty="0" smtClean="0"/>
+              <a:t>Item</a:t>
+            </a:r>
+          </a:p>
+          <a:p>
+            <a:pPr lvl="1"/>
+            <a:r>
+              <a:rPr lang="en-US" altLang="ja-JP" dirty="0"/>
+              <a:t>What this </a:t>
+            </a:r>
+            <a:r>
+              <a:rPr lang="en-US" altLang="ja-JP" dirty="0" smtClean="0"/>
+              <a:t>item like</a:t>
+            </a:r>
+            <a:endParaRPr lang="en-US" altLang="ja-JP" dirty="0"/>
+          </a:p>
+          <a:p>
+            <a:pPr marL="514350" indent="-514350">
+              <a:buFont typeface="+mj-lt"/>
+              <a:buAutoNum type="arabicPeriod"/>
+            </a:pPr>
+            <a:r>
+              <a:rPr lang="en-US" altLang="ja-JP" sz="2400" dirty="0" smtClean="0"/>
+              <a:t>User x Item</a:t>
+            </a:r>
+          </a:p>
+          <a:p>
+            <a:pPr lvl="1"/>
+            <a:r>
+              <a:rPr lang="en-US" altLang="ja-JP" dirty="0" smtClean="0"/>
+              <a:t>How do the user feel about the item</a:t>
+            </a:r>
+          </a:p>
+          <a:p>
+            <a:pPr marL="514350" indent="-514350">
+              <a:buFont typeface="+mj-lt"/>
+              <a:buAutoNum type="arabicPeriod"/>
+            </a:pPr>
+            <a:r>
+              <a:rPr kumimoji="1" lang="en-US" altLang="ja-JP" sz="2400" dirty="0" smtClean="0"/>
+              <a:t>Datetime</a:t>
+            </a:r>
+          </a:p>
+          <a:p>
+            <a:pPr lvl="1"/>
+            <a:r>
+              <a:rPr lang="en-US" altLang="ja-JP" dirty="0"/>
+              <a:t>What this </a:t>
+            </a:r>
+            <a:r>
+              <a:rPr lang="en-US" altLang="ja-JP" dirty="0" smtClean="0"/>
+              <a:t>day and hour like</a:t>
+            </a:r>
+          </a:p>
+          <a:p>
+            <a:pPr lvl="1"/>
+            <a:endParaRPr lang="en-US" altLang="ja-JP" dirty="0" smtClean="0"/>
+          </a:p>
+          <a:p>
+            <a:pPr marL="0" indent="0">
+              <a:buNone/>
+            </a:pPr>
+            <a:r>
+              <a:rPr lang="en-US" altLang="ja-JP" sz="2000" dirty="0" smtClean="0"/>
+              <a:t>*For None model, I can’t use above features except user and datetime. So I convert those to stats(min, mean, max, sum, </a:t>
+            </a:r>
+            <a:r>
+              <a:rPr lang="en-US" altLang="ja-JP" sz="2000" dirty="0" err="1" smtClean="0"/>
+              <a:t>std</a:t>
+            </a:r>
+            <a:r>
+              <a:rPr lang="mr-IN" altLang="ja-JP" sz="2000" dirty="0" smtClean="0"/>
+              <a:t>…</a:t>
+            </a:r>
+            <a:r>
+              <a:rPr lang="en-US" altLang="ja-JP" sz="2000" dirty="0" smtClean="0"/>
+              <a:t>).</a:t>
+            </a:r>
+          </a:p>
+          <a:p>
+            <a:pPr marL="0" indent="0">
+              <a:buNone/>
+            </a:pPr>
+            <a:endParaRPr lang="en-US" altLang="ja-JP" dirty="0"/>
+          </a:p>
+        </p:txBody>
+      </p:sp>
+    </p:spTree>
+    <p:extLst>
+      <p:ext uri="{BB962C8B-B14F-4D97-AF65-F5344CB8AC3E}">
+        <p14:creationId xmlns:p14="http://schemas.microsoft.com/office/powerpoint/2010/main" val="1780876960"/>
+      </p:ext>
+    </p:extLst>
+  </p:cSld>
+  <p:clrMapOvr>
+    <a:masterClrMapping/>
+  </p:clrMapOvr>
+  <p:timing>
+    <p:tnLst>
+      <p:par>
+        <p:cTn id="1" dur="indefinite" restart="never" nodeType="tmRoot"/>
+      </p:par>
+    </p:tnLst>
+  </p:timing>
+</p:sld>
+</file>
+
+<file path=ppt/slides/slide15.xml><?xml version="1.0" encoding="utf-8"?>
+<p:sld xmlns:a="http://schemas.openxmlformats.org/drawingml/2006/main" xmlns:r="http://schemas.openxmlformats.org/officeDocument/2006/relationships" xmlns:p="http://schemas.openxmlformats.org/presentationml/2006/main">
+  <p:cSld>
+    <p:spTree>
+      <p:nvGrpSpPr>
+        <p:cNvPr id="1" name=""/>
+        <p:cNvGrpSpPr/>
+        <p:nvPr/>
+      </p:nvGrpSpPr>
+      <p:grpSpPr>
+        <a:xfrm>
+          <a:off x="0" y="0"/>
+          <a:ext cx="0" cy="0"/>
+          <a:chOff x="0" y="0"/>
+          <a:chExt cx="0" cy="0"/>
+        </a:xfrm>
+      </p:grpSpPr>
+      <p:sp>
+        <p:nvSpPr>
+          <p:cNvPr id="2" name="タイトル 1"/>
+          <p:cNvSpPr>
+            <a:spLocks noGrp="1"/>
+          </p:cNvSpPr>
+          <p:nvPr>
+            <p:ph type="title"/>
+          </p:nvPr>
+        </p:nvSpPr>
+        <p:spPr>
+          <a:xfrm>
+            <a:off x="838200" y="0"/>
+            <a:ext cx="10515600" cy="1325563"/>
+          </a:xfrm>
+        </p:spPr>
+        <p:txBody>
+          <a:bodyPr/>
+          <a:lstStyle/>
+          <a:p>
+            <a:r>
+              <a:rPr lang="en-US" altLang="ja-JP" dirty="0"/>
+              <a:t>Feature </a:t>
+            </a:r>
+            <a:r>
+              <a:rPr lang="en-US" altLang="ja-JP" dirty="0" smtClean="0"/>
+              <a:t>Importance for reorder</a:t>
+            </a:r>
+            <a:endParaRPr kumimoji="1" lang="ja-JP" altLang="en-US" dirty="0"/>
+          </a:p>
+        </p:txBody>
+      </p:sp>
+      <p:pic>
+        <p:nvPicPr>
+          <p:cNvPr id="5" name="コンテンツ プレースホルダー 4"/>
+          <p:cNvPicPr>
+            <a:picLocks noGrp="1" noChangeAspect="1"/>
+          </p:cNvPicPr>
+          <p:nvPr>
+            <p:ph idx="1"/>
+          </p:nvPr>
+        </p:nvPicPr>
+        <p:blipFill>
+          <a:blip r:embed="rId2">
+            <a:extLst>
+              <a:ext uri="{28A0092B-C50C-407E-A947-70E740481C1C}">
+                <a14:useLocalDpi xmlns:a14="http://schemas.microsoft.com/office/drawing/2010/main" val="0"/>
+              </a:ext>
+            </a:extLst>
+          </a:blip>
+          <a:stretch>
+            <a:fillRect/>
+          </a:stretch>
+        </p:blipFill>
+        <p:spPr>
+          <a:xfrm>
+            <a:off x="1295400" y="968189"/>
+            <a:ext cx="8825821" cy="5738206"/>
+          </a:xfrm>
+        </p:spPr>
+      </p:pic>
+    </p:spTree>
+    <p:extLst>
+      <p:ext uri="{BB962C8B-B14F-4D97-AF65-F5344CB8AC3E}">
+        <p14:creationId xmlns:p14="http://schemas.microsoft.com/office/powerpoint/2010/main" val="1727174720"/>
+      </p:ext>
+    </p:extLst>
+  </p:cSld>
+  <p:clrMapOvr>
+    <a:masterClrMapping/>
+  </p:clrMapOvr>
+  <p:timing>
+    <p:tnLst>
+      <p:par>
+        <p:cTn id="1" dur="indefinite" restart="never" nodeType="tmRoot"/>
+      </p:par>
+    </p:tnLst>
+  </p:timing>
+</p:sld>
+</file>
+
+<file path=ppt/slides/slide16.xml><?xml version="1.0" encoding="utf-8"?>
+<p:sld xmlns:a="http://schemas.openxmlformats.org/drawingml/2006/main" xmlns:r="http://schemas.openxmlformats.org/officeDocument/2006/relationships" xmlns:p="http://schemas.openxmlformats.org/presentationml/2006/main">
+  <p:cSld>
+    <p:spTree>
+      <p:nvGrpSpPr>
+        <p:cNvPr id="1" name=""/>
+        <p:cNvGrpSpPr/>
+        <p:nvPr/>
+      </p:nvGrpSpPr>
+      <p:grpSpPr>
+        <a:xfrm>
+          <a:off x="0" y="0"/>
+          <a:ext cx="0" cy="0"/>
+          <a:chOff x="0" y="0"/>
+          <a:chExt cx="0" cy="0"/>
+        </a:xfrm>
+      </p:grpSpPr>
+      <p:sp>
+        <p:nvSpPr>
+          <p:cNvPr id="2" name="タイトル 1"/>
+          <p:cNvSpPr>
+            <a:spLocks noGrp="1"/>
+          </p:cNvSpPr>
+          <p:nvPr>
+            <p:ph type="title"/>
+          </p:nvPr>
+        </p:nvSpPr>
+        <p:spPr>
+          <a:xfrm>
+            <a:off x="838200" y="0"/>
+            <a:ext cx="10515600" cy="1325563"/>
+          </a:xfrm>
+        </p:spPr>
+        <p:txBody>
+          <a:bodyPr/>
+          <a:lstStyle/>
+          <a:p>
+            <a:r>
+              <a:rPr lang="en-US" altLang="ja-JP" dirty="0"/>
+              <a:t>Feature Importance for </a:t>
+            </a:r>
+            <a:r>
+              <a:rPr lang="en-US" altLang="ja-JP" dirty="0" smtClean="0"/>
+              <a:t>None</a:t>
+            </a:r>
+            <a:endParaRPr kumimoji="1" lang="ja-JP" altLang="en-US" dirty="0"/>
+          </a:p>
+        </p:txBody>
+      </p:sp>
+      <p:pic>
+        <p:nvPicPr>
+          <p:cNvPr id="4" name="図 3"/>
+          <p:cNvPicPr>
+            <a:picLocks noChangeAspect="1"/>
+          </p:cNvPicPr>
+          <p:nvPr/>
+        </p:nvPicPr>
+        <p:blipFill>
+          <a:blip r:embed="rId2">
+            <a:extLst>
+              <a:ext uri="{28A0092B-C50C-407E-A947-70E740481C1C}">
+                <a14:useLocalDpi xmlns:a14="http://schemas.microsoft.com/office/drawing/2010/main" val="0"/>
+              </a:ext>
+            </a:extLst>
+          </a:blip>
+          <a:stretch>
+            <a:fillRect/>
+          </a:stretch>
+        </p:blipFill>
+        <p:spPr>
+          <a:xfrm>
+            <a:off x="1591235" y="990601"/>
+            <a:ext cx="8534400" cy="5867400"/>
+          </a:xfrm>
+          <a:prstGeom prst="rect">
+            <a:avLst/>
+          </a:prstGeom>
+        </p:spPr>
+      </p:pic>
+    </p:spTree>
+    <p:extLst>
+      <p:ext uri="{BB962C8B-B14F-4D97-AF65-F5344CB8AC3E}">
+        <p14:creationId xmlns:p14="http://schemas.microsoft.com/office/powerpoint/2010/main" val="375552531"/>
+      </p:ext>
+    </p:extLst>
+  </p:cSld>
+  <p:clrMapOvr>
+    <a:masterClrMapping/>
+  </p:clrMapOvr>
+  <p:timing>
+    <p:tnLst>
+      <p:par>
+        <p:cTn id="1" dur="indefinite" restart="never" nodeType="tmRoot"/>
+      </p:par>
+    </p:tnLst>
+  </p:timing>
+</p:sld>
+</file>
+
+<file path=ppt/slides/slide17.xml><?xml version="1.0" encoding="utf-8"?>
+<p:sld xmlns:a="http://schemas.openxmlformats.org/drawingml/2006/main" xmlns:r="http://schemas.openxmlformats.org/officeDocument/2006/relationships" xmlns:p="http://schemas.openxmlformats.org/presentationml/2006/main">
+  <p:cSld>
+    <p:spTree>
+      <p:nvGrpSpPr>
+        <p:cNvPr id="1" name=""/>
+        <p:cNvGrpSpPr/>
+        <p:nvPr/>
+      </p:nvGrpSpPr>
+      <p:grpSpPr>
+        <a:xfrm>
+          <a:off x="0" y="0"/>
+          <a:ext cx="0" cy="0"/>
+          <a:chOff x="0" y="0"/>
+          <a:chExt cx="0" cy="0"/>
+        </a:xfrm>
+      </p:grpSpPr>
+      <p:sp>
+        <p:nvSpPr>
+          <p:cNvPr id="2" name="タイトル 1"/>
+          <p:cNvSpPr>
+            <a:spLocks noGrp="1"/>
+          </p:cNvSpPr>
+          <p:nvPr>
+            <p:ph type="title"/>
+          </p:nvPr>
+        </p:nvSpPr>
+        <p:spPr/>
+        <p:txBody>
+          <a:bodyPr/>
+          <a:lstStyle/>
+          <a:p>
+            <a:r>
+              <a:rPr lang="en-US" altLang="ja-JP" dirty="0"/>
+              <a:t>Important </a:t>
+            </a:r>
+            <a:r>
+              <a:rPr lang="en-US" altLang="ja-JP" dirty="0" smtClean="0"/>
+              <a:t>Findings for reorder - 1</a:t>
+            </a:r>
+            <a:endParaRPr kumimoji="1" lang="ja-JP" altLang="en-US" dirty="0"/>
+          </a:p>
+        </p:txBody>
+      </p:sp>
+      <p:sp>
+        <p:nvSpPr>
+          <p:cNvPr id="3" name="コンテンツ プレースホルダー 2"/>
+          <p:cNvSpPr>
+            <a:spLocks noGrp="1"/>
+          </p:cNvSpPr>
+          <p:nvPr>
+            <p:ph idx="1"/>
+          </p:nvPr>
+        </p:nvSpPr>
+        <p:spPr/>
+        <p:txBody>
+          <a:bodyPr/>
+          <a:lstStyle/>
+          <a:p>
+            <a:r>
+              <a:rPr kumimoji="1" lang="en-US" altLang="ja-JP" dirty="0" smtClean="0"/>
+              <a:t>Common sense tells me the item bought many times has high probability for reordering</a:t>
+            </a:r>
+          </a:p>
+          <a:p>
+            <a:endParaRPr kumimoji="1" lang="en-US" altLang="ja-JP" dirty="0" smtClean="0"/>
+          </a:p>
+          <a:p>
+            <a:r>
+              <a:rPr lang="en-US" altLang="ja-JP" dirty="0" smtClean="0"/>
+              <a:t>Although the user bought the item many times, there is a timing for not reordering</a:t>
+            </a:r>
+          </a:p>
+          <a:p>
+            <a:endParaRPr lang="en-US" altLang="ja-JP" dirty="0" smtClean="0"/>
+          </a:p>
+          <a:p>
+            <a:r>
+              <a:rPr kumimoji="1" lang="en-US" altLang="ja-JP" dirty="0" smtClean="0"/>
+              <a:t>I could figure out why the user didn’t buy the item</a:t>
+            </a:r>
+          </a:p>
+          <a:p>
+            <a:endParaRPr kumimoji="1" lang="en-US" altLang="ja-JP" dirty="0" smtClean="0"/>
+          </a:p>
+          <a:p>
+            <a:r>
+              <a:rPr kumimoji="1" lang="en-US" altLang="ja-JP" dirty="0" smtClean="0"/>
+              <a:t>See next page for details</a:t>
+            </a:r>
+            <a:endParaRPr kumimoji="1" lang="ja-JP" altLang="en-US" dirty="0"/>
+          </a:p>
+        </p:txBody>
+      </p:sp>
+    </p:spTree>
+    <p:extLst>
+      <p:ext uri="{BB962C8B-B14F-4D97-AF65-F5344CB8AC3E}">
+        <p14:creationId xmlns:p14="http://schemas.microsoft.com/office/powerpoint/2010/main" val="1173741249"/>
+      </p:ext>
+    </p:extLst>
+  </p:cSld>
+  <p:clrMapOvr>
+    <a:masterClrMapping/>
+  </p:clrMapOvr>
+  <p:timing>
+    <p:tnLst>
+      <p:par>
+        <p:cTn id="1" dur="indefinite" restart="never" nodeType="tmRoot"/>
+      </p:par>
+    </p:tnLst>
+  </p:timing>
+</p:sld>
+</file>
+
+<file path=ppt/slides/slide18.xml><?xml version="1.0" encoding="utf-8"?>
+<p:sld xmlns:a="http://schemas.openxmlformats.org/drawingml/2006/main" xmlns:r="http://schemas.openxmlformats.org/officeDocument/2006/relationships" xmlns:p="http://schemas.openxmlformats.org/presentationml/2006/main">
+  <p:cSld>
+    <p:spTree>
+      <p:nvGrpSpPr>
+        <p:cNvPr id="1" name=""/>
+        <p:cNvGrpSpPr/>
+        <p:nvPr/>
+      </p:nvGrpSpPr>
+      <p:grpSpPr>
+        <a:xfrm>
+          <a:off x="0" y="0"/>
+          <a:ext cx="0" cy="0"/>
+          <a:chOff x="0" y="0"/>
+          <a:chExt cx="0" cy="0"/>
+        </a:xfrm>
+      </p:grpSpPr>
+      <p:sp>
+        <p:nvSpPr>
+          <p:cNvPr id="2" name="タイトル 1"/>
+          <p:cNvSpPr>
+            <a:spLocks noGrp="1"/>
+          </p:cNvSpPr>
+          <p:nvPr>
+            <p:ph type="title"/>
+          </p:nvPr>
+        </p:nvSpPr>
+        <p:spPr>
+          <a:xfrm>
             <a:off x="838200" y="0"/>
             <a:ext cx="10515600" cy="1325563"/>
           </a:xfrm>
@@ -4164,10 +4876,17 @@
   <p:clrMapOvr>
     <a:masterClrMapping/>
   </p:clrMapOvr>
+  <p:timing>
+    <p:tnLst>
+      <p:par>
+        <p:cTn id="1" dur="indefinite" restart="never" nodeType="tmRoot"/>
+      </p:par>
+    </p:tnLst>
+  </p:timing>
 </p:sld>
 </file>
 
-<file path=ppt/slides/slide14.xml><?xml version="1.0" encoding="utf-8"?>
+<file path=ppt/slides/slide19.xml><?xml version="1.0" encoding="utf-8"?>
 <p:sld xmlns:a="http://schemas.openxmlformats.org/drawingml/2006/main" xmlns:r="http://schemas.openxmlformats.org/officeDocument/2006/relationships" xmlns:p="http://schemas.openxmlformats.org/presentationml/2006/main">
   <p:cSld>
     <p:spTree>
@@ -4308,10 +5027,174 @@
   <p:clrMapOvr>
     <a:masterClrMapping/>
   </p:clrMapOvr>
+  <p:timing>
+    <p:tnLst>
+      <p:par>
+        <p:cTn id="1" dur="indefinite" restart="never" nodeType="tmRoot"/>
+      </p:par>
+    </p:tnLst>
+  </p:timing>
 </p:sld>
 </file>
 
-<file path=ppt/slides/slide15.xml><?xml version="1.0" encoding="utf-8"?>
+<file path=ppt/slides/slide2.xml><?xml version="1.0" encoding="utf-8"?>
+<p:sld xmlns:a="http://schemas.openxmlformats.org/drawingml/2006/main" xmlns:r="http://schemas.openxmlformats.org/officeDocument/2006/relationships" xmlns:p="http://schemas.openxmlformats.org/presentationml/2006/main">
+  <p:cSld>
+    <p:spTree>
+      <p:nvGrpSpPr>
+        <p:cNvPr id="1" name=""/>
+        <p:cNvGrpSpPr/>
+        <p:nvPr/>
+      </p:nvGrpSpPr>
+      <p:grpSpPr>
+        <a:xfrm>
+          <a:off x="0" y="0"/>
+          <a:ext cx="0" cy="0"/>
+          <a:chOff x="0" y="0"/>
+          <a:chExt cx="0" cy="0"/>
+        </a:xfrm>
+      </p:grpSpPr>
+      <p:sp>
+        <p:nvSpPr>
+          <p:cNvPr id="2" name="タイトル 1"/>
+          <p:cNvSpPr>
+            <a:spLocks noGrp="1"/>
+          </p:cNvSpPr>
+          <p:nvPr>
+            <p:ph type="title"/>
+          </p:nvPr>
+        </p:nvSpPr>
+        <p:spPr/>
+        <p:txBody>
+          <a:bodyPr/>
+          <a:lstStyle/>
+          <a:p>
+            <a:r>
+              <a:rPr lang="en-US" altLang="ja-JP" dirty="0" smtClean="0"/>
+              <a:t>Agenda</a:t>
+            </a:r>
+            <a:endParaRPr kumimoji="1" lang="ja-JP" altLang="en-US" dirty="0"/>
+          </a:p>
+        </p:txBody>
+      </p:sp>
+      <p:sp>
+        <p:nvSpPr>
+          <p:cNvPr id="3" name="コンテンツ プレースホルダー 2"/>
+          <p:cNvSpPr>
+            <a:spLocks noGrp="1"/>
+          </p:cNvSpPr>
+          <p:nvPr>
+            <p:ph idx="1"/>
+          </p:nvPr>
+        </p:nvSpPr>
+        <p:spPr/>
+        <p:txBody>
+          <a:bodyPr>
+            <a:normAutofit fontScale="85000" lnSpcReduction="20000"/>
+          </a:bodyPr>
+          <a:lstStyle/>
+          <a:p>
+            <a:pPr>
+              <a:lnSpc>
+                <a:spcPct val="150000"/>
+              </a:lnSpc>
+            </a:pPr>
+            <a:r>
+              <a:rPr kumimoji="1" lang="en-US" altLang="ja-JP" dirty="0" smtClean="0"/>
+              <a:t>My Background</a:t>
+            </a:r>
+          </a:p>
+          <a:p>
+            <a:pPr>
+              <a:lnSpc>
+                <a:spcPct val="150000"/>
+              </a:lnSpc>
+            </a:pPr>
+            <a:r>
+              <a:rPr kumimoji="1" lang="en-US" altLang="ja-JP" dirty="0" smtClean="0"/>
+              <a:t>Problem Overview</a:t>
+            </a:r>
+          </a:p>
+          <a:p>
+            <a:pPr>
+              <a:lnSpc>
+                <a:spcPct val="150000"/>
+              </a:lnSpc>
+            </a:pPr>
+            <a:r>
+              <a:rPr lang="en-US" altLang="ja-JP" dirty="0" smtClean="0"/>
+              <a:t>Main Approach</a:t>
+            </a:r>
+            <a:endParaRPr kumimoji="1" lang="en-US" altLang="ja-JP" dirty="0" smtClean="0"/>
+          </a:p>
+          <a:p>
+            <a:pPr>
+              <a:lnSpc>
+                <a:spcPct val="150000"/>
+              </a:lnSpc>
+            </a:pPr>
+            <a:r>
+              <a:rPr lang="en-US" altLang="ja-JP" dirty="0" smtClean="0"/>
+              <a:t>Feature Engineering</a:t>
+            </a:r>
+          </a:p>
+          <a:p>
+            <a:pPr>
+              <a:lnSpc>
+                <a:spcPct val="150000"/>
+              </a:lnSpc>
+            </a:pPr>
+            <a:r>
+              <a:rPr lang="en-US" altLang="ja-JP" dirty="0" smtClean="0"/>
+              <a:t>Feature Importance</a:t>
+            </a:r>
+          </a:p>
+          <a:p>
+            <a:pPr>
+              <a:lnSpc>
+                <a:spcPct val="150000"/>
+              </a:lnSpc>
+            </a:pPr>
+            <a:r>
+              <a:rPr kumimoji="1" lang="en-US" altLang="ja-JP" dirty="0" smtClean="0"/>
+              <a:t>Important Findings</a:t>
+            </a:r>
+          </a:p>
+          <a:p>
+            <a:pPr>
+              <a:lnSpc>
+                <a:spcPct val="150000"/>
+              </a:lnSpc>
+            </a:pPr>
+            <a:r>
+              <a:rPr lang="en-US" altLang="ja-JP" dirty="0" smtClean="0"/>
+              <a:t>F1 maximization</a:t>
+            </a:r>
+            <a:endParaRPr kumimoji="1" lang="en-US" altLang="ja-JP" dirty="0" smtClean="0"/>
+          </a:p>
+        </p:txBody>
+      </p:sp>
+    </p:spTree>
+    <p:extLst>
+      <p:ext uri="{BB962C8B-B14F-4D97-AF65-F5344CB8AC3E}">
+        <p14:creationId xmlns:p14="http://schemas.microsoft.com/office/powerpoint/2010/main" val="1730961706"/>
+      </p:ext>
+    </p:extLst>
+  </p:cSld>
+  <p:clrMapOvr>
+    <a:masterClrMapping/>
+  </p:clrMapOvr>
+  <p:timing>
+    <p:tnLst>
+      <p:par>
+        <p:cTn id="1" dur="indefinite" restart="never" nodeType="tmRoot"/>
+      </p:par>
+    </p:tnLst>
+  </p:timing>
+</p:sld>
+</file>
+
+<file path=ppt/slides/slide20.xml><?xml version="1.0" encoding="utf-8"?>
 <p:sld xmlns:a="http://schemas.openxmlformats.org/drawingml/2006/main" xmlns:r="http://schemas.openxmlformats.org/officeDocument/2006/relationships" xmlns:p="http://schemas.openxmlformats.org/presentationml/2006/main">
   <p:cSld>
     <p:spTree>
@@ -4444,10 +5327,17 @@
   <p:clrMapOvr>
     <a:masterClrMapping/>
   </p:clrMapOvr>
+  <p:timing>
+    <p:tnLst>
+      <p:par>
+        <p:cTn id="1" dur="indefinite" restart="never" nodeType="tmRoot"/>
+      </p:par>
+    </p:tnLst>
+  </p:timing>
 </p:sld>
 </file>
 
-<file path=ppt/slides/slide16.xml><?xml version="1.0" encoding="utf-8"?>
+<file path=ppt/slides/slide21.xml><?xml version="1.0" encoding="utf-8"?>
 <p:sld xmlns:a="http://schemas.openxmlformats.org/drawingml/2006/main" xmlns:r="http://schemas.openxmlformats.org/officeDocument/2006/relationships" xmlns:p="http://schemas.openxmlformats.org/presentationml/2006/main">
   <p:cSld>
     <p:spTree>
@@ -4610,10 +5500,17 @@
   <p:clrMapOvr>
     <a:masterClrMapping/>
   </p:clrMapOvr>
+  <p:timing>
+    <p:tnLst>
+      <p:par>
+        <p:cTn id="1" dur="indefinite" restart="never" nodeType="tmRoot"/>
+      </p:par>
+    </p:tnLst>
+  </p:timing>
 </p:sld>
 </file>
 
-<file path=ppt/slides/slide17.xml><?xml version="1.0" encoding="utf-8"?>
+<file path=ppt/slides/slide22.xml><?xml version="1.0" encoding="utf-8"?>
 <p:sld xmlns:a="http://schemas.openxmlformats.org/drawingml/2006/main" xmlns:r="http://schemas.openxmlformats.org/officeDocument/2006/relationships" xmlns:p="http://schemas.openxmlformats.org/presentationml/2006/main">
   <p:cSld>
     <p:spTree>
@@ -4786,10 +5683,17 @@
   <p:clrMapOvr>
     <a:masterClrMapping/>
   </p:clrMapOvr>
+  <p:timing>
+    <p:tnLst>
+      <p:par>
+        <p:cTn id="1" dur="indefinite" restart="never" nodeType="tmRoot"/>
+      </p:par>
+    </p:tnLst>
+  </p:timing>
 </p:sld>
 </file>
 
-<file path=ppt/slides/slide18.xml><?xml version="1.0" encoding="utf-8"?>
+<file path=ppt/slides/slide23.xml><?xml version="1.0" encoding="utf-8"?>
 <p:sld xmlns:a="http://schemas.openxmlformats.org/drawingml/2006/main" xmlns:r="http://schemas.openxmlformats.org/officeDocument/2006/relationships" xmlns:p="http://schemas.openxmlformats.org/presentationml/2006/main">
   <p:cSld>
     <p:spTree>
@@ -5025,10 +5929,17 @@
   <p:clrMapOvr>
     <a:masterClrMapping/>
   </p:clrMapOvr>
+  <p:timing>
+    <p:tnLst>
+      <p:par>
+        <p:cTn id="1" dur="indefinite" restart="never" nodeType="tmRoot"/>
+      </p:par>
+    </p:tnLst>
+  </p:timing>
 </p:sld>
 </file>
 
-<file path=ppt/slides/slide19.xml><?xml version="1.0" encoding="utf-8"?>
+<file path=ppt/slides/slide24.xml><?xml version="1.0" encoding="utf-8"?>
 <p:sld xmlns:a="http://schemas.openxmlformats.org/drawingml/2006/main" xmlns:r="http://schemas.openxmlformats.org/officeDocument/2006/relationships" xmlns:p="http://schemas.openxmlformats.org/presentationml/2006/main">
   <p:cSld>
     <p:spTree>
@@ -5099,15 +6010,7 @@
           <a:p>
             <a:r>
               <a:rPr lang="en-US" altLang="ja-JP" dirty="0" smtClean="0"/>
-              <a:t>And </a:t>
-            </a:r>
-            <a:r>
-              <a:rPr lang="en-US" altLang="ja-JP" dirty="0" err="1" smtClean="0"/>
-              <a:t>userB</a:t>
-            </a:r>
-            <a:r>
-              <a:rPr lang="en-US" altLang="ja-JP" dirty="0" smtClean="0"/>
-              <a:t> </a:t>
+              <a:t>And userB </a:t>
             </a:r>
             <a:r>
               <a:rPr lang="en-US" altLang="ja-JP" dirty="0"/>
@@ -5176,160 +6079,17 @@
   <p:clrMapOvr>
     <a:masterClrMapping/>
   </p:clrMapOvr>
+  <p:timing>
+    <p:tnLst>
+      <p:par>
+        <p:cTn id="1" dur="indefinite" restart="never" nodeType="tmRoot"/>
+      </p:par>
+    </p:tnLst>
+  </p:timing>
 </p:sld>
 </file>
 
-<file path=ppt/slides/slide2.xml><?xml version="1.0" encoding="utf-8"?>
-<p:sld xmlns:a="http://schemas.openxmlformats.org/drawingml/2006/main" xmlns:r="http://schemas.openxmlformats.org/officeDocument/2006/relationships" xmlns:p="http://schemas.openxmlformats.org/presentationml/2006/main">
-  <p:cSld>
-    <p:spTree>
-      <p:nvGrpSpPr>
-        <p:cNvPr id="1" name=""/>
-        <p:cNvGrpSpPr/>
-        <p:nvPr/>
-      </p:nvGrpSpPr>
-      <p:grpSpPr>
-        <a:xfrm>
-          <a:off x="0" y="0"/>
-          <a:ext cx="0" cy="0"/>
-          <a:chOff x="0" y="0"/>
-          <a:chExt cx="0" cy="0"/>
-        </a:xfrm>
-      </p:grpSpPr>
-      <p:sp>
-        <p:nvSpPr>
-          <p:cNvPr id="2" name="タイトル 1"/>
-          <p:cNvSpPr>
-            <a:spLocks noGrp="1"/>
-          </p:cNvSpPr>
-          <p:nvPr>
-            <p:ph type="title"/>
-          </p:nvPr>
-        </p:nvSpPr>
-        <p:spPr/>
-        <p:txBody>
-          <a:bodyPr/>
-          <a:lstStyle/>
-          <a:p>
-            <a:r>
-              <a:rPr lang="en-US" altLang="ja-JP" dirty="0" smtClean="0"/>
-              <a:t>Agenda</a:t>
-            </a:r>
-            <a:endParaRPr kumimoji="1" lang="ja-JP" altLang="en-US" dirty="0"/>
-          </a:p>
-        </p:txBody>
-      </p:sp>
-      <p:sp>
-        <p:nvSpPr>
-          <p:cNvPr id="3" name="コンテンツ プレースホルダー 2"/>
-          <p:cNvSpPr>
-            <a:spLocks noGrp="1"/>
-          </p:cNvSpPr>
-          <p:nvPr>
-            <p:ph idx="1"/>
-          </p:nvPr>
-        </p:nvSpPr>
-        <p:spPr/>
-        <p:txBody>
-          <a:bodyPr>
-            <a:normAutofit fontScale="85000" lnSpcReduction="20000"/>
-          </a:bodyPr>
-          <a:lstStyle/>
-          <a:p>
-            <a:pPr>
-              <a:lnSpc>
-                <a:spcPct val="150000"/>
-              </a:lnSpc>
-            </a:pPr>
-            <a:r>
-              <a:rPr kumimoji="1" lang="en-US" altLang="ja-JP" dirty="0" smtClean="0"/>
-              <a:t>My Background</a:t>
-            </a:r>
-          </a:p>
-          <a:p>
-            <a:pPr>
-              <a:lnSpc>
-                <a:spcPct val="150000"/>
-              </a:lnSpc>
-            </a:pPr>
-            <a:r>
-              <a:rPr kumimoji="1" lang="en-US" altLang="ja-JP" dirty="0" smtClean="0"/>
-              <a:t>Problem Overview</a:t>
-            </a:r>
-          </a:p>
-          <a:p>
-            <a:pPr>
-              <a:lnSpc>
-                <a:spcPct val="150000"/>
-              </a:lnSpc>
-            </a:pPr>
-            <a:r>
-              <a:rPr lang="en-US" altLang="ja-JP" dirty="0" smtClean="0"/>
-              <a:t>Main Approach</a:t>
-            </a:r>
-            <a:endParaRPr kumimoji="1" lang="en-US" altLang="ja-JP" dirty="0" smtClean="0"/>
-          </a:p>
-          <a:p>
-            <a:pPr>
-              <a:lnSpc>
-                <a:spcPct val="150000"/>
-              </a:lnSpc>
-            </a:pPr>
-            <a:r>
-              <a:rPr lang="en-US" altLang="ja-JP" dirty="0" smtClean="0"/>
-              <a:t>Feature Engineering</a:t>
-            </a:r>
-          </a:p>
-          <a:p>
-            <a:pPr>
-              <a:lnSpc>
-                <a:spcPct val="150000"/>
-              </a:lnSpc>
-            </a:pPr>
-            <a:r>
-              <a:rPr lang="en-US" altLang="ja-JP" dirty="0" smtClean="0"/>
-              <a:t>Feature Importance</a:t>
-            </a:r>
-          </a:p>
-          <a:p>
-            <a:pPr>
-              <a:lnSpc>
-                <a:spcPct val="150000"/>
-              </a:lnSpc>
-            </a:pPr>
-            <a:r>
-              <a:rPr kumimoji="1" lang="en-US" altLang="ja-JP" dirty="0" smtClean="0"/>
-              <a:t>Important Findings</a:t>
-            </a:r>
-          </a:p>
-          <a:p>
-            <a:pPr>
-              <a:lnSpc>
-                <a:spcPct val="150000"/>
-              </a:lnSpc>
-            </a:pPr>
-            <a:r>
-              <a:rPr lang="en-US" altLang="ja-JP" dirty="0" smtClean="0"/>
-              <a:t>F1 maximization</a:t>
-            </a:r>
-            <a:endParaRPr kumimoji="1" lang="en-US" altLang="ja-JP" dirty="0" smtClean="0"/>
-          </a:p>
-        </p:txBody>
-      </p:sp>
-    </p:spTree>
-    <p:extLst>
-      <p:ext uri="{BB962C8B-B14F-4D97-AF65-F5344CB8AC3E}">
-        <p14:creationId xmlns:p14="http://schemas.microsoft.com/office/powerpoint/2010/main" val="1730961706"/>
-      </p:ext>
-    </p:extLst>
-  </p:cSld>
-  <p:clrMapOvr>
-    <a:masterClrMapping/>
-  </p:clrMapOvr>
-</p:sld>
-</file>
-
-<file path=ppt/slides/slide20.xml><?xml version="1.0" encoding="utf-8"?>
+<file path=ppt/slides/slide25.xml><?xml version="1.0" encoding="utf-8"?>
 <p:sld xmlns:a="http://schemas.openxmlformats.org/drawingml/2006/main" xmlns:r="http://schemas.openxmlformats.org/officeDocument/2006/relationships" xmlns:p="http://schemas.openxmlformats.org/presentationml/2006/main">
   <p:cSld>
     <p:spTree>
@@ -5526,10 +6286,17 @@
   <p:clrMapOvr>
     <a:masterClrMapping/>
   </p:clrMapOvr>
+  <p:timing>
+    <p:tnLst>
+      <p:par>
+        <p:cTn id="1" dur="indefinite" restart="never" nodeType="tmRoot"/>
+      </p:par>
+    </p:tnLst>
+  </p:timing>
 </p:sld>
 </file>
 
-<file path=ppt/slides/slide21.xml><?xml version="1.0" encoding="utf-8"?>
+<file path=ppt/slides/slide26.xml><?xml version="1.0" encoding="utf-8"?>
 <p:sld xmlns:a="http://schemas.openxmlformats.org/drawingml/2006/main" xmlns:r="http://schemas.openxmlformats.org/officeDocument/2006/relationships" xmlns:p="http://schemas.openxmlformats.org/presentationml/2006/main">
   <p:cSld>
     <p:spTree>
@@ -5732,10 +6499,17 @@
   <p:clrMapOvr>
     <a:masterClrMapping/>
   </p:clrMapOvr>
+  <p:timing>
+    <p:tnLst>
+      <p:par>
+        <p:cTn id="1" dur="indefinite" restart="never" nodeType="tmRoot"/>
+      </p:par>
+    </p:tnLst>
+  </p:timing>
 </p:sld>
 </file>
 
-<file path=ppt/slides/slide22.xml><?xml version="1.0" encoding="utf-8"?>
+<file path=ppt/slides/slide27.xml><?xml version="1.0" encoding="utf-8"?>
 <p:sld xmlns:a="http://schemas.openxmlformats.org/drawingml/2006/main" xmlns:r="http://schemas.openxmlformats.org/officeDocument/2006/relationships" xmlns:p="http://schemas.openxmlformats.org/presentationml/2006/main">
   <p:cSld>
     <p:spTree>
@@ -5930,10 +6704,17 @@
   <p:clrMapOvr>
     <a:masterClrMapping/>
   </p:clrMapOvr>
+  <p:timing>
+    <p:tnLst>
+      <p:par>
+        <p:cTn id="1" dur="indefinite" restart="never" nodeType="tmRoot"/>
+      </p:par>
+    </p:tnLst>
+  </p:timing>
 </p:sld>
 </file>
 
-<file path=ppt/slides/slide23.xml><?xml version="1.0" encoding="utf-8"?>
+<file path=ppt/slides/slide28.xml><?xml version="1.0" encoding="utf-8"?>
 <p:sld xmlns:a="http://schemas.openxmlformats.org/drawingml/2006/main" xmlns:r="http://schemas.openxmlformats.org/officeDocument/2006/relationships" xmlns:p="http://schemas.openxmlformats.org/presentationml/2006/main">
   <p:cSld>
     <p:spTree>
@@ -6086,10 +6867,17 @@
   <p:clrMapOvr>
     <a:masterClrMapping/>
   </p:clrMapOvr>
+  <p:timing>
+    <p:tnLst>
+      <p:par>
+        <p:cTn id="1" dur="indefinite" restart="never" nodeType="tmRoot"/>
+      </p:par>
+    </p:tnLst>
+  </p:timing>
 </p:sld>
 </file>
 
-<file path=ppt/slides/slide24.xml><?xml version="1.0" encoding="utf-8"?>
+<file path=ppt/slides/slide29.xml><?xml version="1.0" encoding="utf-8"?>
 <p:sld xmlns:a="http://schemas.openxmlformats.org/drawingml/2006/main" xmlns:r="http://schemas.openxmlformats.org/officeDocument/2006/relationships" xmlns:p="http://schemas.openxmlformats.org/presentationml/2006/main">
   <p:cSld>
     <p:spTree>
@@ -6212,10 +7000,17 @@
   <p:clrMapOvr>
     <a:masterClrMapping/>
   </p:clrMapOvr>
+  <p:timing>
+    <p:tnLst>
+      <p:par>
+        <p:cTn id="1" dur="indefinite" restart="never" nodeType="tmRoot"/>
+      </p:par>
+    </p:tnLst>
+  </p:timing>
 </p:sld>
 </file>
 
-<file path=ppt/slides/slide25.xml><?xml version="1.0" encoding="utf-8"?>
+<file path=ppt/slides/slide3.xml><?xml version="1.0" encoding="utf-8"?>
 <p:sld xmlns:a="http://schemas.openxmlformats.org/drawingml/2006/main" xmlns:r="http://schemas.openxmlformats.org/officeDocument/2006/relationships" xmlns:p="http://schemas.openxmlformats.org/presentationml/2006/main">
   <p:cSld>
     <p:spTree>
@@ -6249,6 +7044,154 @@
           <a:p>
             <a:r>
               <a:rPr lang="en-US" altLang="ja-JP" dirty="0"/>
+              <a:t>My </a:t>
+            </a:r>
+            <a:r>
+              <a:rPr lang="en-US" altLang="ja-JP" dirty="0" smtClean="0"/>
+              <a:t>Background</a:t>
+            </a:r>
+            <a:endParaRPr kumimoji="1" lang="ja-JP" altLang="en-US" dirty="0"/>
+          </a:p>
+        </p:txBody>
+      </p:sp>
+      <p:sp>
+        <p:nvSpPr>
+          <p:cNvPr id="3" name="コンテンツ プレースホルダー 2"/>
+          <p:cNvSpPr>
+            <a:spLocks noGrp="1"/>
+          </p:cNvSpPr>
+          <p:nvPr>
+            <p:ph idx="1"/>
+          </p:nvPr>
+        </p:nvSpPr>
+        <p:spPr/>
+        <p:txBody>
+          <a:bodyPr/>
+          <a:lstStyle/>
+          <a:p>
+            <a:pPr>
+              <a:lnSpc>
+                <a:spcPct val="150000"/>
+              </a:lnSpc>
+            </a:pPr>
+            <a:r>
+              <a:rPr kumimoji="1" lang="en-US" altLang="ja-JP" dirty="0" smtClean="0"/>
+              <a:t>Bachelor of Economics</a:t>
+            </a:r>
+          </a:p>
+          <a:p>
+            <a:pPr>
+              <a:lnSpc>
+                <a:spcPct val="150000"/>
+              </a:lnSpc>
+            </a:pPr>
+            <a:r>
+              <a:rPr lang="en-US" altLang="ja-JP" dirty="0" smtClean="0"/>
+              <a:t>Programmer of Financial Industry</a:t>
+            </a:r>
+          </a:p>
+          <a:p>
+            <a:pPr>
+              <a:lnSpc>
+                <a:spcPct val="150000"/>
+              </a:lnSpc>
+            </a:pPr>
+            <a:r>
+              <a:rPr kumimoji="1" lang="en-US" altLang="ja-JP" dirty="0" smtClean="0"/>
+              <a:t>Consultant of </a:t>
+            </a:r>
+            <a:r>
+              <a:rPr lang="en-US" altLang="ja-JP" dirty="0" smtClean="0"/>
+              <a:t>Financial Industry</a:t>
+            </a:r>
+          </a:p>
+          <a:p>
+            <a:pPr>
+              <a:lnSpc>
+                <a:spcPct val="150000"/>
+              </a:lnSpc>
+            </a:pPr>
+            <a:r>
+              <a:rPr kumimoji="1" lang="en-US" altLang="ja-JP" dirty="0" smtClean="0"/>
+              <a:t>2</a:t>
+            </a:r>
+            <a:r>
+              <a:rPr kumimoji="1" lang="en-US" altLang="ja-JP" baseline="30000" dirty="0" smtClean="0"/>
+              <a:t>nd</a:t>
+            </a:r>
+            <a:r>
+              <a:rPr kumimoji="1" lang="en-US" altLang="ja-JP" dirty="0" smtClean="0"/>
+              <a:t> Place at KDDCUP2015</a:t>
+            </a:r>
+          </a:p>
+          <a:p>
+            <a:pPr>
+              <a:lnSpc>
+                <a:spcPct val="150000"/>
+              </a:lnSpc>
+            </a:pPr>
+            <a:r>
+              <a:rPr lang="en-US" altLang="ja-JP" dirty="0" smtClean="0"/>
+              <a:t>Data Scientist at Yahoo! JAPAN</a:t>
+            </a:r>
+            <a:endParaRPr kumimoji="1" lang="ja-JP" altLang="en-US" dirty="0"/>
+          </a:p>
+        </p:txBody>
+      </p:sp>
+    </p:spTree>
+    <p:extLst>
+      <p:ext uri="{BB962C8B-B14F-4D97-AF65-F5344CB8AC3E}">
+        <p14:creationId xmlns:p14="http://schemas.microsoft.com/office/powerpoint/2010/main" val="1777752230"/>
+      </p:ext>
+    </p:extLst>
+  </p:cSld>
+  <p:clrMapOvr>
+    <a:masterClrMapping/>
+  </p:clrMapOvr>
+  <p:timing>
+    <p:tnLst>
+      <p:par>
+        <p:cTn id="1" dur="indefinite" restart="never" nodeType="tmRoot"/>
+      </p:par>
+    </p:tnLst>
+  </p:timing>
+</p:sld>
+</file>
+
+<file path=ppt/slides/slide30.xml><?xml version="1.0" encoding="utf-8"?>
+<p:sld xmlns:a="http://schemas.openxmlformats.org/drawingml/2006/main" xmlns:r="http://schemas.openxmlformats.org/officeDocument/2006/relationships" xmlns:p="http://schemas.openxmlformats.org/presentationml/2006/main">
+  <p:cSld>
+    <p:spTree>
+      <p:nvGrpSpPr>
+        <p:cNvPr id="1" name=""/>
+        <p:cNvGrpSpPr/>
+        <p:nvPr/>
+      </p:nvGrpSpPr>
+      <p:grpSpPr>
+        <a:xfrm>
+          <a:off x="0" y="0"/>
+          <a:ext cx="0" cy="0"/>
+          <a:chOff x="0" y="0"/>
+          <a:chExt cx="0" cy="0"/>
+        </a:xfrm>
+      </p:grpSpPr>
+      <p:sp>
+        <p:nvSpPr>
+          <p:cNvPr id="2" name="タイトル 1"/>
+          <p:cNvSpPr>
+            <a:spLocks noGrp="1"/>
+          </p:cNvSpPr>
+          <p:nvPr>
+            <p:ph type="title"/>
+          </p:nvPr>
+        </p:nvSpPr>
+        <p:spPr/>
+        <p:txBody>
+          <a:bodyPr/>
+          <a:lstStyle/>
+          <a:p>
+            <a:r>
+              <a:rPr lang="en-US" altLang="ja-JP" dirty="0"/>
               <a:t>F1 maximization</a:t>
             </a:r>
             <a:endParaRPr kumimoji="1" lang="ja-JP" altLang="en-US" dirty="0"/>
@@ -6366,10 +7309,17 @@
   <p:clrMapOvr>
     <a:masterClrMapping/>
   </p:clrMapOvr>
+  <p:timing>
+    <p:tnLst>
+      <p:par>
+        <p:cTn id="1" dur="indefinite" restart="never" nodeType="tmRoot"/>
+      </p:par>
+    </p:tnLst>
+  </p:timing>
 </p:sld>
 </file>
 
-<file path=ppt/slides/slide26.xml><?xml version="1.0" encoding="utf-8"?>
+<file path=ppt/slides/slide31.xml><?xml version="1.0" encoding="utf-8"?>
 <p:sld xmlns:a="http://schemas.openxmlformats.org/drawingml/2006/main" xmlns:r="http://schemas.openxmlformats.org/officeDocument/2006/relationships" xmlns:p="http://schemas.openxmlformats.org/presentationml/2006/main">
   <p:cSld>
     <p:spTree>
@@ -6589,10 +7539,17 @@
   <p:clrMapOvr>
     <a:masterClrMapping/>
   </p:clrMapOvr>
+  <p:timing>
+    <p:tnLst>
+      <p:par>
+        <p:cTn id="1" dur="indefinite" restart="never" nodeType="tmRoot"/>
+      </p:par>
+    </p:tnLst>
+  </p:timing>
 </p:sld>
 </file>
 
-<file path=ppt/slides/slide27.xml><?xml version="1.0" encoding="utf-8"?>
+<file path=ppt/slides/slide32.xml><?xml version="1.0" encoding="utf-8"?>
 <p:sld xmlns:a="http://schemas.openxmlformats.org/drawingml/2006/main" xmlns:r="http://schemas.openxmlformats.org/officeDocument/2006/relationships" xmlns:p="http://schemas.openxmlformats.org/presentationml/2006/main">
   <p:cSld>
     <p:spTree>
@@ -6791,10 +7748,17 @@
   <p:clrMapOvr>
     <a:masterClrMapping/>
   </p:clrMapOvr>
+  <p:timing>
+    <p:tnLst>
+      <p:par>
+        <p:cTn id="1" dur="indefinite" restart="never" nodeType="tmRoot"/>
+      </p:par>
+    </p:tnLst>
+  </p:timing>
 </p:sld>
 </file>
 
-<file path=ppt/slides/slide28.xml><?xml version="1.0" encoding="utf-8"?>
+<file path=ppt/slides/slide33.xml><?xml version="1.0" encoding="utf-8"?>
 <p:sld xmlns:a="http://schemas.openxmlformats.org/drawingml/2006/main" xmlns:r="http://schemas.openxmlformats.org/officeDocument/2006/relationships" xmlns:p="http://schemas.openxmlformats.org/presentationml/2006/main">
   <p:cSld>
     <p:spTree>
@@ -6910,341 +7874,13 @@
   <p:clrMapOvr>
     <a:masterClrMapping/>
   </p:clrMapOvr>
-</p:sld>
-</file>
-
-<file path=ppt/slides/slide29.xml><?xml version="1.0" encoding="utf-8"?>
-<p:sld xmlns:a="http://schemas.openxmlformats.org/drawingml/2006/main" xmlns:r="http://schemas.openxmlformats.org/officeDocument/2006/relationships" xmlns:p="http://schemas.openxmlformats.org/presentationml/2006/main">
-  <p:cSld>
-    <p:spTree>
-      <p:nvGrpSpPr>
-        <p:cNvPr id="1" name=""/>
-        <p:cNvGrpSpPr/>
-        <p:nvPr/>
-      </p:nvGrpSpPr>
-      <p:grpSpPr>
-        <a:xfrm>
-          <a:off x="0" y="0"/>
-          <a:ext cx="0" cy="0"/>
-          <a:chOff x="0" y="0"/>
-          <a:chExt cx="0" cy="0"/>
-        </a:xfrm>
-      </p:grpSpPr>
-      <p:sp>
-        <p:nvSpPr>
-          <p:cNvPr id="2" name="タイトル 1"/>
-          <p:cNvSpPr>
-            <a:spLocks noGrp="1"/>
-          </p:cNvSpPr>
-          <p:nvPr>
-            <p:ph type="title"/>
-          </p:nvPr>
-        </p:nvSpPr>
-        <p:spPr>
-          <a:xfrm>
-            <a:off x="838200" y="0"/>
-            <a:ext cx="10515600" cy="1325563"/>
-          </a:xfrm>
-        </p:spPr>
-        <p:txBody>
-          <a:bodyPr/>
-          <a:lstStyle/>
-          <a:p>
-            <a:r>
-              <a:rPr lang="en-US" altLang="ja-JP" dirty="0" smtClean="0"/>
-              <a:t>Appendix</a:t>
-            </a:r>
-            <a:endParaRPr kumimoji="1" lang="ja-JP" altLang="en-US" dirty="0"/>
-          </a:p>
-        </p:txBody>
-      </p:sp>
-      <p:sp>
-        <p:nvSpPr>
-          <p:cNvPr id="3" name="コンテンツ プレースホルダー 2"/>
-          <p:cNvSpPr>
-            <a:spLocks noGrp="1"/>
-          </p:cNvSpPr>
-          <p:nvPr>
-            <p:ph idx="1"/>
-          </p:nvPr>
-        </p:nvSpPr>
-        <p:spPr>
-          <a:xfrm>
-            <a:off x="147918" y="1210234"/>
-            <a:ext cx="11819964" cy="5647765"/>
-          </a:xfrm>
-        </p:spPr>
-        <p:txBody>
-          <a:bodyPr/>
-          <a:lstStyle/>
-          <a:p>
-            <a:r>
-              <a:rPr lang="en-US" altLang="ja-JP" dirty="0" smtClean="0"/>
-              <a:t>Evaluation metric is mean F1 score</a:t>
-            </a:r>
-          </a:p>
-          <a:p>
-            <a:endParaRPr kumimoji="1" lang="en-US" altLang="ja-JP" dirty="0"/>
-          </a:p>
-          <a:p>
-            <a:endParaRPr lang="en-US" altLang="ja-JP" dirty="0" smtClean="0"/>
-          </a:p>
-          <a:p>
-            <a:r>
-              <a:rPr kumimoji="1" lang="en-US" altLang="ja-JP" dirty="0" smtClean="0"/>
-              <a:t>Precision and Recall</a:t>
-            </a:r>
-            <a:endParaRPr kumimoji="1" lang="ja-JP" altLang="en-US" dirty="0"/>
-          </a:p>
-        </p:txBody>
-      </p:sp>
-      <p:pic>
-        <p:nvPicPr>
-          <p:cNvPr id="4" name="図 3"/>
-          <p:cNvPicPr>
-            <a:picLocks noChangeAspect="1"/>
-          </p:cNvPicPr>
-          <p:nvPr/>
-        </p:nvPicPr>
-        <p:blipFill>
-          <a:blip r:embed="rId2"/>
-          <a:stretch>
-            <a:fillRect/>
-          </a:stretch>
-        </p:blipFill>
-        <p:spPr>
-          <a:xfrm>
-            <a:off x="2988609" y="1804941"/>
-            <a:ext cx="5524500" cy="838200"/>
-          </a:xfrm>
-          <a:prstGeom prst="rect">
-            <a:avLst/>
-          </a:prstGeom>
-        </p:spPr>
-      </p:pic>
-      <p:pic>
-        <p:nvPicPr>
-          <p:cNvPr id="6" name="図 5"/>
-          <p:cNvPicPr>
-            <a:picLocks noChangeAspect="1"/>
-          </p:cNvPicPr>
-          <p:nvPr/>
-        </p:nvPicPr>
-        <p:blipFill>
-          <a:blip r:embed="rId3"/>
-          <a:stretch>
-            <a:fillRect/>
-          </a:stretch>
-        </p:blipFill>
-        <p:spPr>
-          <a:xfrm>
-            <a:off x="4150285" y="3198819"/>
-            <a:ext cx="1645397" cy="1309111"/>
-          </a:xfrm>
-          <a:prstGeom prst="rect">
-            <a:avLst/>
-          </a:prstGeom>
-        </p:spPr>
-      </p:pic>
-      <p:pic>
-        <p:nvPicPr>
-          <p:cNvPr id="7" name="図 6"/>
-          <p:cNvPicPr>
-            <a:picLocks noChangeAspect="1"/>
-          </p:cNvPicPr>
-          <p:nvPr/>
-        </p:nvPicPr>
-        <p:blipFill>
-          <a:blip r:embed="rId4"/>
-          <a:stretch>
-            <a:fillRect/>
-          </a:stretch>
-        </p:blipFill>
-        <p:spPr>
-          <a:xfrm>
-            <a:off x="3772834" y="4744439"/>
-            <a:ext cx="2400300" cy="673100"/>
-          </a:xfrm>
-          <a:prstGeom prst="rect">
-            <a:avLst/>
-          </a:prstGeom>
-        </p:spPr>
-      </p:pic>
-      <p:pic>
-        <p:nvPicPr>
-          <p:cNvPr id="8" name="図 7"/>
-          <p:cNvPicPr>
-            <a:picLocks noChangeAspect="1"/>
-          </p:cNvPicPr>
-          <p:nvPr/>
-        </p:nvPicPr>
-        <p:blipFill>
-          <a:blip r:embed="rId5"/>
-          <a:stretch>
-            <a:fillRect/>
-          </a:stretch>
-        </p:blipFill>
-        <p:spPr>
-          <a:xfrm>
-            <a:off x="3150534" y="5801219"/>
-            <a:ext cx="3644900" cy="673100"/>
-          </a:xfrm>
-          <a:prstGeom prst="rect">
-            <a:avLst/>
-          </a:prstGeom>
-        </p:spPr>
-      </p:pic>
-    </p:spTree>
-    <p:extLst>
-      <p:ext uri="{BB962C8B-B14F-4D97-AF65-F5344CB8AC3E}">
-        <p14:creationId xmlns:p14="http://schemas.microsoft.com/office/powerpoint/2010/main" val="1477460951"/>
-      </p:ext>
-    </p:extLst>
-  </p:cSld>
-  <p:clrMapOvr>
-    <a:masterClrMapping/>
-  </p:clrMapOvr>
-</p:sld>
-</file>
-
-<file path=ppt/slides/slide3.xml><?xml version="1.0" encoding="utf-8"?>
-<p:sld xmlns:a="http://schemas.openxmlformats.org/drawingml/2006/main" xmlns:r="http://schemas.openxmlformats.org/officeDocument/2006/relationships" xmlns:p="http://schemas.openxmlformats.org/presentationml/2006/main">
-  <p:cSld>
-    <p:spTree>
-      <p:nvGrpSpPr>
-        <p:cNvPr id="1" name=""/>
-        <p:cNvGrpSpPr/>
-        <p:nvPr/>
-      </p:nvGrpSpPr>
-      <p:grpSpPr>
-        <a:xfrm>
-          <a:off x="0" y="0"/>
-          <a:ext cx="0" cy="0"/>
-          <a:chOff x="0" y="0"/>
-          <a:chExt cx="0" cy="0"/>
-        </a:xfrm>
-      </p:grpSpPr>
-      <p:sp>
-        <p:nvSpPr>
-          <p:cNvPr id="2" name="タイトル 1"/>
-          <p:cNvSpPr>
-            <a:spLocks noGrp="1"/>
-          </p:cNvSpPr>
-          <p:nvPr>
-            <p:ph type="title"/>
-          </p:nvPr>
-        </p:nvSpPr>
-        <p:spPr/>
-        <p:txBody>
-          <a:bodyPr/>
-          <a:lstStyle/>
-          <a:p>
-            <a:r>
-              <a:rPr lang="en-US" altLang="ja-JP" dirty="0"/>
-              <a:t>My </a:t>
-            </a:r>
-            <a:r>
-              <a:rPr lang="en-US" altLang="ja-JP" dirty="0" smtClean="0"/>
-              <a:t>Background</a:t>
-            </a:r>
-            <a:endParaRPr kumimoji="1" lang="ja-JP" altLang="en-US" dirty="0"/>
-          </a:p>
-        </p:txBody>
-      </p:sp>
-      <p:sp>
-        <p:nvSpPr>
-          <p:cNvPr id="3" name="コンテンツ プレースホルダー 2"/>
-          <p:cNvSpPr>
-            <a:spLocks noGrp="1"/>
-          </p:cNvSpPr>
-          <p:nvPr>
-            <p:ph idx="1"/>
-          </p:nvPr>
-        </p:nvSpPr>
-        <p:spPr/>
-        <p:txBody>
-          <a:bodyPr/>
-          <a:lstStyle/>
-          <a:p>
-            <a:pPr>
-              <a:lnSpc>
-                <a:spcPct val="150000"/>
-              </a:lnSpc>
-            </a:pPr>
-            <a:r>
-              <a:rPr kumimoji="1" lang="en-US" altLang="ja-JP" dirty="0" smtClean="0"/>
-              <a:t>Bachelor of Economics</a:t>
-            </a:r>
-          </a:p>
-          <a:p>
-            <a:pPr>
-              <a:lnSpc>
-                <a:spcPct val="150000"/>
-              </a:lnSpc>
-            </a:pPr>
-            <a:r>
-              <a:rPr lang="en-US" altLang="ja-JP" dirty="0" smtClean="0"/>
-              <a:t>Programmer of Financial Industry</a:t>
-            </a:r>
-          </a:p>
-          <a:p>
-            <a:pPr>
-              <a:lnSpc>
-                <a:spcPct val="150000"/>
-              </a:lnSpc>
-            </a:pPr>
-            <a:r>
-              <a:rPr kumimoji="1" lang="en-US" altLang="ja-JP" dirty="0" smtClean="0"/>
-              <a:t>Consultant of </a:t>
-            </a:r>
-            <a:r>
-              <a:rPr lang="en-US" altLang="ja-JP" dirty="0" smtClean="0"/>
-              <a:t>Financial Industry</a:t>
-            </a:r>
-          </a:p>
-          <a:p>
-            <a:pPr>
-              <a:lnSpc>
-                <a:spcPct val="150000"/>
-              </a:lnSpc>
-            </a:pPr>
-            <a:r>
-              <a:rPr kumimoji="1" lang="en-US" altLang="ja-JP" dirty="0" smtClean="0"/>
-              <a:t>2</a:t>
-            </a:r>
-            <a:r>
-              <a:rPr kumimoji="1" lang="en-US" altLang="ja-JP" baseline="30000" dirty="0" smtClean="0"/>
-              <a:t>nd</a:t>
-            </a:r>
-            <a:r>
-              <a:rPr kumimoji="1" lang="en-US" altLang="ja-JP" dirty="0" smtClean="0"/>
-              <a:t> Place at KDDCUP2015</a:t>
-            </a:r>
-          </a:p>
-          <a:p>
-            <a:pPr>
-              <a:lnSpc>
-                <a:spcPct val="150000"/>
-              </a:lnSpc>
-            </a:pPr>
-            <a:r>
-              <a:rPr lang="en-US" altLang="ja-JP" dirty="0" smtClean="0"/>
-              <a:t>Data Scientist at Yahoo! JAPAN</a:t>
-            </a:r>
-            <a:endParaRPr kumimoji="1" lang="ja-JP" altLang="en-US" dirty="0"/>
-          </a:p>
-        </p:txBody>
-      </p:sp>
-    </p:spTree>
-    <p:extLst>
-      <p:ext uri="{BB962C8B-B14F-4D97-AF65-F5344CB8AC3E}">
-        <p14:creationId xmlns:p14="http://schemas.microsoft.com/office/powerpoint/2010/main" val="1777752230"/>
-      </p:ext>
-    </p:extLst>
-  </p:cSld>
-  <p:clrMapOvr>
-    <a:masterClrMapping/>
-  </p:clrMapOvr>
+  <p:timing>
+    <p:tnLst>
+      <p:par>
+        <p:cTn id="1" dur="indefinite" restart="never" nodeType="tmRoot"/>
+      </p:par>
+    </p:tnLst>
+  </p:timing>
 </p:sld>
 </file>
 
@@ -7385,6 +8021,13 @@
   <p:clrMapOvr>
     <a:masterClrMapping/>
   </p:clrMapOvr>
+  <p:timing>
+    <p:tnLst>
+      <p:par>
+        <p:cTn id="1" dur="indefinite" restart="never" nodeType="tmRoot"/>
+      </p:par>
+    </p:tnLst>
+  </p:timing>
 </p:sld>
 </file>
 
@@ -7516,8 +8159,8 @@
         </p:blipFill>
         <p:spPr>
           <a:xfrm>
-            <a:off x="362857" y="2036535"/>
-            <a:ext cx="5545778" cy="3812722"/>
+            <a:off x="-1" y="1914525"/>
+            <a:ext cx="6072421" cy="4174788"/>
           </a:xfrm>
           <a:prstGeom prst="rect">
             <a:avLst/>
@@ -7546,8 +8189,8 @@
         </p:blipFill>
         <p:spPr>
           <a:xfrm>
-            <a:off x="6371772" y="2036535"/>
-            <a:ext cx="5545778" cy="3812722"/>
+            <a:off x="6008914" y="1914525"/>
+            <a:ext cx="6072421" cy="4174788"/>
           </a:xfrm>
           <a:prstGeom prst="rect">
             <a:avLst/>
@@ -7564,6 +8207,13 @@
   <p:clrMapOvr>
     <a:masterClrMapping/>
   </p:clrMapOvr>
+  <p:timing>
+    <p:tnLst>
+      <p:par>
+        <p:cTn id="1" dur="indefinite" restart="never" nodeType="tmRoot"/>
+      </p:par>
+    </p:tnLst>
+  </p:timing>
 </p:sld>
 </file>
 
@@ -7703,8 +8353,8 @@
         </p:blipFill>
         <p:spPr>
           <a:xfrm>
-            <a:off x="72571" y="2095727"/>
-            <a:ext cx="5936343" cy="4081236"/>
+            <a:off x="35832" y="2058221"/>
+            <a:ext cx="6136368" cy="4218753"/>
           </a:xfrm>
           <a:prstGeom prst="rect">
             <a:avLst/>
@@ -7733,8 +8383,8 @@
         </p:blipFill>
         <p:spPr>
           <a:xfrm>
-            <a:off x="6255657" y="2095727"/>
-            <a:ext cx="5936343" cy="4081236"/>
+            <a:off x="5972175" y="2058221"/>
+            <a:ext cx="6136368" cy="4218753"/>
           </a:xfrm>
           <a:prstGeom prst="rect">
             <a:avLst/>
@@ -7751,6 +8401,13 @@
   <p:clrMapOvr>
     <a:masterClrMapping/>
   </p:clrMapOvr>
+  <p:timing>
+    <p:tnLst>
+      <p:par>
+        <p:cTn id="1" dur="indefinite" restart="never" nodeType="tmRoot"/>
+      </p:par>
+    </p:tnLst>
+  </p:timing>
 </p:sld>
 </file>
 
@@ -7781,157 +8438,177 @@
             <p:ph type="title"/>
           </p:nvPr>
         </p:nvSpPr>
-        <p:spPr/>
-        <p:txBody>
-          <a:bodyPr/>
-          <a:lstStyle/>
+        <p:spPr>
+          <a:xfrm>
+            <a:off x="838200" y="0"/>
+            <a:ext cx="10515600" cy="1325563"/>
+          </a:xfrm>
+        </p:spPr>
+        <p:txBody>
+          <a:bodyPr/>
+          <a:lstStyle/>
+          <a:p>
+            <a:r>
+              <a:rPr lang="en-US" altLang="ja-JP" dirty="0"/>
+              <a:t>Problem Overview</a:t>
+            </a:r>
+            <a:endParaRPr kumimoji="1" lang="ja-JP" altLang="en-US" dirty="0"/>
+          </a:p>
+        </p:txBody>
+      </p:sp>
+      <p:sp>
+        <p:nvSpPr>
+          <p:cNvPr id="3" name="コンテンツ プレースホルダー 2"/>
+          <p:cNvSpPr>
+            <a:spLocks noGrp="1"/>
+          </p:cNvSpPr>
+          <p:nvPr>
+            <p:ph idx="1"/>
+          </p:nvPr>
+        </p:nvSpPr>
+        <p:spPr>
+          <a:xfrm>
+            <a:off x="147918" y="1210234"/>
+            <a:ext cx="11819964" cy="5647765"/>
+          </a:xfrm>
+        </p:spPr>
+        <p:txBody>
+          <a:bodyPr/>
+          <a:lstStyle/>
+          <a:p>
+            <a:r>
+              <a:rPr lang="en-US" altLang="ja-JP" dirty="0" smtClean="0"/>
+              <a:t>Evaluation metric is mean F1 score</a:t>
+            </a:r>
+          </a:p>
+          <a:p>
+            <a:endParaRPr kumimoji="1" lang="en-US" altLang="ja-JP" dirty="0"/>
+          </a:p>
+          <a:p>
+            <a:endParaRPr lang="en-US" altLang="ja-JP" dirty="0" smtClean="0"/>
+          </a:p>
           <a:p>
             <a:r>
               <a:rPr kumimoji="1" lang="en-US" altLang="ja-JP" dirty="0" smtClean="0"/>
-              <a:t>Main Approach</a:t>
+              <a:t>Precision and Recall</a:t>
             </a:r>
             <a:endParaRPr kumimoji="1" lang="ja-JP" altLang="en-US" dirty="0"/>
           </a:p>
         </p:txBody>
       </p:sp>
-      <p:sp>
-        <p:nvSpPr>
-          <p:cNvPr id="3" name="コンテンツ プレースホルダー 2"/>
-          <p:cNvSpPr>
-            <a:spLocks noGrp="1"/>
-          </p:cNvSpPr>
-          <p:nvPr>
-            <p:ph idx="1"/>
-          </p:nvPr>
-        </p:nvSpPr>
-        <p:spPr>
-          <a:xfrm>
-            <a:off x="261257" y="1573307"/>
-            <a:ext cx="11669486" cy="5059722"/>
-          </a:xfrm>
-        </p:spPr>
-        <p:txBody>
-          <a:bodyPr>
-            <a:normAutofit fontScale="92500" lnSpcReduction="20000"/>
-          </a:bodyPr>
-          <a:lstStyle/>
-          <a:p>
-            <a:pPr>
-              <a:lnSpc>
-                <a:spcPct val="150000"/>
-              </a:lnSpc>
-            </a:pPr>
-            <a:r>
-              <a:rPr kumimoji="1" lang="en-US" altLang="ja-JP" dirty="0" smtClean="0"/>
-              <a:t>I made 2 models. For predicting reorder and for </a:t>
-            </a:r>
-            <a:r>
-              <a:rPr lang="en-US" altLang="ja-JP" dirty="0"/>
-              <a:t>predicting </a:t>
-            </a:r>
-            <a:r>
-              <a:rPr kumimoji="1" lang="en-US" altLang="ja-JP" dirty="0" smtClean="0"/>
-              <a:t>None*</a:t>
-            </a:r>
-          </a:p>
-          <a:p>
-            <a:pPr>
-              <a:lnSpc>
-                <a:spcPct val="150000"/>
-              </a:lnSpc>
-            </a:pPr>
-            <a:r>
-              <a:rPr lang="en-US" altLang="ja-JP" dirty="0" smtClean="0"/>
-              <a:t>reorder model’s keys are user_id and product_id</a:t>
-            </a:r>
-          </a:p>
-          <a:p>
-            <a:pPr>
-              <a:lnSpc>
-                <a:spcPct val="150000"/>
-              </a:lnSpc>
-            </a:pPr>
-            <a:r>
-              <a:rPr kumimoji="1" lang="en-US" altLang="ja-JP" dirty="0" smtClean="0"/>
-              <a:t>None model’s key is only </a:t>
-            </a:r>
-            <a:r>
-              <a:rPr lang="en-US" altLang="ja-JP" dirty="0" smtClean="0"/>
-              <a:t>u</a:t>
-            </a:r>
-            <a:r>
-              <a:rPr kumimoji="1" lang="en-US" altLang="ja-JP" dirty="0" smtClean="0"/>
-              <a:t>ser_id</a:t>
-            </a:r>
-          </a:p>
-          <a:p>
-            <a:pPr>
-              <a:lnSpc>
-                <a:spcPct val="150000"/>
-              </a:lnSpc>
-            </a:pPr>
-            <a:r>
-              <a:rPr kumimoji="1" lang="en-US" altLang="ja-JP" dirty="0" smtClean="0"/>
-              <a:t>I thought I should use more train data to make better prediction</a:t>
-            </a:r>
-          </a:p>
-          <a:p>
-            <a:pPr>
-              <a:lnSpc>
-                <a:spcPct val="150000"/>
-              </a:lnSpc>
-            </a:pPr>
-            <a:r>
-              <a:rPr lang="en-US" altLang="ja-JP" dirty="0" smtClean="0"/>
-              <a:t>I decided to use prior as train</a:t>
-            </a:r>
-          </a:p>
-          <a:p>
-            <a:pPr>
-              <a:lnSpc>
-                <a:spcPct val="150000"/>
-              </a:lnSpc>
-            </a:pPr>
-            <a:r>
-              <a:rPr lang="en-US" altLang="ja-JP" dirty="0" smtClean="0"/>
-              <a:t>As a result of tunings, best window size is 3</a:t>
-            </a:r>
-          </a:p>
-          <a:p>
-            <a:pPr>
-              <a:lnSpc>
-                <a:spcPct val="150000"/>
-              </a:lnSpc>
-            </a:pPr>
-            <a:r>
-              <a:rPr lang="en-US" altLang="ja-JP" dirty="0" smtClean="0"/>
-              <a:t>See next page for details</a:t>
-            </a:r>
-          </a:p>
-          <a:p>
-            <a:pPr marL="0" indent="0">
-              <a:lnSpc>
-                <a:spcPct val="150000"/>
-              </a:lnSpc>
-              <a:buNone/>
-            </a:pPr>
-            <a:r>
-              <a:rPr lang="en-US" altLang="ja-JP" sz="1900" dirty="0" smtClean="0"/>
-              <a:t>*None means there is no reorder</a:t>
-            </a:r>
-          </a:p>
-        </p:txBody>
-      </p:sp>
+      <p:pic>
+        <p:nvPicPr>
+          <p:cNvPr id="4" name="図 3"/>
+          <p:cNvPicPr>
+            <a:picLocks noChangeAspect="1"/>
+          </p:cNvPicPr>
+          <p:nvPr/>
+        </p:nvPicPr>
+        <p:blipFill>
+          <a:blip r:embed="rId2"/>
+          <a:stretch>
+            <a:fillRect/>
+          </a:stretch>
+        </p:blipFill>
+        <p:spPr>
+          <a:xfrm>
+            <a:off x="2988609" y="1804941"/>
+            <a:ext cx="5524500" cy="838200"/>
+          </a:xfrm>
+          <a:prstGeom prst="rect">
+            <a:avLst/>
+          </a:prstGeom>
+        </p:spPr>
+      </p:pic>
+      <p:pic>
+        <p:nvPicPr>
+          <p:cNvPr id="6" name="図 5"/>
+          <p:cNvPicPr>
+            <a:picLocks noChangeAspect="1"/>
+          </p:cNvPicPr>
+          <p:nvPr/>
+        </p:nvPicPr>
+        <p:blipFill>
+          <a:blip r:embed="rId3"/>
+          <a:stretch>
+            <a:fillRect/>
+          </a:stretch>
+        </p:blipFill>
+        <p:spPr>
+          <a:xfrm>
+            <a:off x="4150285" y="3198819"/>
+            <a:ext cx="1645397" cy="1309111"/>
+          </a:xfrm>
+          <a:prstGeom prst="rect">
+            <a:avLst/>
+          </a:prstGeom>
+        </p:spPr>
+      </p:pic>
+      <p:pic>
+        <p:nvPicPr>
+          <p:cNvPr id="7" name="図 6"/>
+          <p:cNvPicPr>
+            <a:picLocks noChangeAspect="1"/>
+          </p:cNvPicPr>
+          <p:nvPr/>
+        </p:nvPicPr>
+        <p:blipFill>
+          <a:blip r:embed="rId4"/>
+          <a:stretch>
+            <a:fillRect/>
+          </a:stretch>
+        </p:blipFill>
+        <p:spPr>
+          <a:xfrm>
+            <a:off x="3772834" y="4744439"/>
+            <a:ext cx="2400300" cy="673100"/>
+          </a:xfrm>
+          <a:prstGeom prst="rect">
+            <a:avLst/>
+          </a:prstGeom>
+        </p:spPr>
+      </p:pic>
+      <p:pic>
+        <p:nvPicPr>
+          <p:cNvPr id="8" name="図 7"/>
+          <p:cNvPicPr>
+            <a:picLocks noChangeAspect="1"/>
+          </p:cNvPicPr>
+          <p:nvPr/>
+        </p:nvPicPr>
+        <p:blipFill>
+          <a:blip r:embed="rId5"/>
+          <a:stretch>
+            <a:fillRect/>
+          </a:stretch>
+        </p:blipFill>
+        <p:spPr>
+          <a:xfrm>
+            <a:off x="3150534" y="5801219"/>
+            <a:ext cx="3644900" cy="673100"/>
+          </a:xfrm>
+          <a:prstGeom prst="rect">
+            <a:avLst/>
+          </a:prstGeom>
+        </p:spPr>
+      </p:pic>
     </p:spTree>
     <p:extLst>
       <p:ext uri="{BB962C8B-B14F-4D97-AF65-F5344CB8AC3E}">
-        <p14:creationId xmlns:p14="http://schemas.microsoft.com/office/powerpoint/2010/main" val="944304339"/>
+        <p14:creationId xmlns:p14="http://schemas.microsoft.com/office/powerpoint/2010/main" val="1477460951"/>
       </p:ext>
     </p:extLst>
   </p:cSld>
   <p:clrMapOvr>
     <a:masterClrMapping/>
   </p:clrMapOvr>
+  <p:timing>
+    <p:tnLst>
+      <p:par>
+        <p:cTn id="1" dur="indefinite" restart="never" nodeType="tmRoot"/>
+      </p:par>
+    </p:tnLst>
+  </p:timing>
 </p:sld>
 </file>
 
@@ -7964,17 +8641,49 @@
         </p:nvSpPr>
         <p:spPr>
           <a:xfrm>
-            <a:off x="809172" y="101601"/>
-            <a:ext cx="10515600" cy="928914"/>
-          </a:xfrm>
-        </p:spPr>
-        <p:txBody>
-          <a:bodyPr/>
-          <a:lstStyle/>
-          <a:p>
-            <a:r>
-              <a:rPr lang="en-US" altLang="ja-JP" dirty="0"/>
-              <a:t>Main Approach</a:t>
+            <a:off x="745399" y="0"/>
+            <a:ext cx="10515600" cy="1325563"/>
+          </a:xfrm>
+        </p:spPr>
+        <p:txBody>
+          <a:bodyPr/>
+          <a:lstStyle/>
+          <a:p>
+            <a:r>
+              <a:rPr lang="en-US" altLang="ja-JP"/>
+              <a:t>Problem Overview</a:t>
+            </a:r>
+            <a:endParaRPr kumimoji="1" lang="ja-JP" altLang="en-US" dirty="0"/>
+          </a:p>
+        </p:txBody>
+      </p:sp>
+      <p:sp>
+        <p:nvSpPr>
+          <p:cNvPr id="3" name="コンテンツ プレースホルダー 2"/>
+          <p:cNvSpPr>
+            <a:spLocks noGrp="1"/>
+          </p:cNvSpPr>
+          <p:nvPr>
+            <p:ph idx="1"/>
+          </p:nvPr>
+        </p:nvSpPr>
+        <p:spPr>
+          <a:xfrm>
+            <a:off x="157163" y="1325564"/>
+            <a:ext cx="11858625" cy="5532436"/>
+          </a:xfrm>
+        </p:spPr>
+        <p:txBody>
+          <a:bodyPr>
+            <a:normAutofit/>
+          </a:bodyPr>
+          <a:lstStyle/>
+          <a:p>
+            <a:r>
+              <a:rPr lang="en-US" altLang="ja-JP" dirty="0" smtClean="0">
+                <a:hlinkClick r:id="rId2"/>
+              </a:rPr>
+              <a:t>Links between the files</a:t>
             </a:r>
             <a:endParaRPr kumimoji="1" lang="ja-JP" altLang="en-US" dirty="0"/>
           </a:p>
@@ -7982,22 +8691,24 @@
       </p:sp>
       <p:pic>
         <p:nvPicPr>
-          <p:cNvPr id="3" name="図 2"/>
+          <p:cNvPr id="4" name="図 3">
+            <a:hlinkClick r:id="rId2" tooltip="Links between the files"/>
+          </p:cNvPr>
           <p:cNvPicPr>
             <a:picLocks noChangeAspect="1"/>
           </p:cNvPicPr>
           <p:nvPr/>
         </p:nvPicPr>
         <p:blipFill>
-          <a:blip r:embed="rId2"/>
+          <a:blip r:embed="rId3"/>
           <a:stretch>
             <a:fillRect/>
           </a:stretch>
         </p:blipFill>
         <p:spPr>
           <a:xfrm>
-            <a:off x="2841210" y="942478"/>
-            <a:ext cx="6451524" cy="5915522"/>
+            <a:off x="533515" y="1893095"/>
+            <a:ext cx="10939367" cy="4397374"/>
           </a:xfrm>
           <a:prstGeom prst="rect">
             <a:avLst/>
@@ -8007,7 +8718,7 @@
     </p:spTree>
     <p:extLst>
       <p:ext uri="{BB962C8B-B14F-4D97-AF65-F5344CB8AC3E}">
-        <p14:creationId xmlns:p14="http://schemas.microsoft.com/office/powerpoint/2010/main" val="915382088"/>
+        <p14:creationId xmlns:p14="http://schemas.microsoft.com/office/powerpoint/2010/main" val="971727271"/>
       </p:ext>
     </p:extLst>
   </p:cSld>
@@ -8055,167 +8766,171 @@
           <a:lstStyle/>
           <a:p>
             <a:r>
+              <a:rPr kumimoji="1" lang="en-US" altLang="ja-JP" dirty="0" smtClean="0"/>
+              <a:t>Main Approach</a:t>
+            </a:r>
+            <a:endParaRPr kumimoji="1" lang="ja-JP" altLang="en-US" dirty="0"/>
+          </a:p>
+        </p:txBody>
+      </p:sp>
+      <p:sp>
+        <p:nvSpPr>
+          <p:cNvPr id="3" name="コンテンツ プレースホルダー 2"/>
+          <p:cNvSpPr>
+            <a:spLocks noGrp="1"/>
+          </p:cNvSpPr>
+          <p:nvPr>
+            <p:ph idx="1"/>
+          </p:nvPr>
+        </p:nvSpPr>
+        <p:spPr>
+          <a:xfrm>
+            <a:off x="261257" y="1573307"/>
+            <a:ext cx="11669486" cy="5059722"/>
+          </a:xfrm>
+        </p:spPr>
+        <p:txBody>
+          <a:bodyPr>
+            <a:normAutofit fontScale="92500" lnSpcReduction="20000"/>
+          </a:bodyPr>
+          <a:lstStyle/>
+          <a:p>
+            <a:pPr>
+              <a:lnSpc>
+                <a:spcPct val="150000"/>
+              </a:lnSpc>
+            </a:pPr>
+            <a:r>
+              <a:rPr kumimoji="1" lang="en-US" altLang="ja-JP" dirty="0" smtClean="0"/>
+              <a:t>I made 2 models. For predicting reorder and for </a:t>
+            </a:r>
+            <a:r>
               <a:rPr lang="en-US" altLang="ja-JP" dirty="0"/>
-              <a:t>Feature </a:t>
-            </a:r>
+              <a:t>predicting </a:t>
+            </a:r>
+            <a:r>
+              <a:rPr kumimoji="1" lang="en-US" altLang="ja-JP" dirty="0" smtClean="0"/>
+              <a:t>None*</a:t>
+            </a:r>
+          </a:p>
+          <a:p>
+            <a:pPr>
+              <a:lnSpc>
+                <a:spcPct val="150000"/>
+              </a:lnSpc>
+            </a:pPr>
             <a:r>
               <a:rPr lang="en-US" altLang="ja-JP" dirty="0" smtClean="0"/>
-              <a:t>Engineering</a:t>
-            </a:r>
-            <a:endParaRPr kumimoji="1" lang="ja-JP" altLang="en-US" dirty="0"/>
-          </a:p>
-        </p:txBody>
-      </p:sp>
-      <p:sp>
-        <p:nvSpPr>
-          <p:cNvPr id="3" name="コンテンツ プレースホルダー 2"/>
-          <p:cNvSpPr>
-            <a:spLocks noGrp="1"/>
-          </p:cNvSpPr>
-          <p:nvPr>
-            <p:ph idx="1"/>
-          </p:nvPr>
-        </p:nvSpPr>
-        <p:spPr>
-          <a:xfrm>
-            <a:off x="344557" y="1245704"/>
-            <a:ext cx="11009243" cy="5343781"/>
-          </a:xfrm>
-        </p:spPr>
-        <p:txBody>
-          <a:bodyPr>
-            <a:normAutofit/>
-          </a:bodyPr>
-          <a:lstStyle/>
-          <a:p>
-            <a:r>
-              <a:rPr kumimoji="1" lang="en-US" altLang="ja-JP" sz="2400" dirty="0" smtClean="0"/>
-              <a:t>I made 4 types of features</a:t>
-            </a:r>
-          </a:p>
-          <a:p>
-            <a:endParaRPr kumimoji="1" lang="en-US" altLang="ja-JP" sz="2400" dirty="0" smtClean="0"/>
-          </a:p>
-          <a:p>
-            <a:pPr marL="514350" indent="-514350">
-              <a:buFont typeface="+mj-lt"/>
-              <a:buAutoNum type="arabicPeriod"/>
+              <a:t>reorder model’s keys are user_id and product_id</a:t>
+            </a:r>
+          </a:p>
+          <a:p>
+            <a:pPr>
+              <a:lnSpc>
+                <a:spcPct val="150000"/>
+              </a:lnSpc>
             </a:pPr>
             <a:r>
-              <a:rPr lang="en-US" altLang="ja-JP" sz="2400" dirty="0" smtClean="0"/>
-              <a:t>User</a:t>
-            </a:r>
-          </a:p>
-          <a:p>
-            <a:pPr lvl="1"/>
+              <a:rPr kumimoji="1" lang="en-US" altLang="ja-JP" dirty="0" smtClean="0"/>
+              <a:t>None model’s key is only </a:t>
+            </a:r>
             <a:r>
               <a:rPr lang="en-US" altLang="ja-JP" dirty="0" smtClean="0"/>
-              <a:t>What this user like</a:t>
-            </a:r>
-          </a:p>
-          <a:p>
-            <a:pPr marL="514350" indent="-514350">
-              <a:buFont typeface="+mj-lt"/>
-              <a:buAutoNum type="arabicPeriod"/>
+              <a:t>u</a:t>
+            </a:r>
+            <a:r>
+              <a:rPr kumimoji="1" lang="en-US" altLang="ja-JP" dirty="0" smtClean="0"/>
+              <a:t>ser_id</a:t>
+            </a:r>
+          </a:p>
+          <a:p>
+            <a:pPr>
+              <a:lnSpc>
+                <a:spcPct val="150000"/>
+              </a:lnSpc>
             </a:pPr>
             <a:r>
-              <a:rPr kumimoji="1" lang="en-US" altLang="ja-JP" sz="2400" dirty="0" smtClean="0"/>
-              <a:t>Item</a:t>
-            </a:r>
-          </a:p>
-          <a:p>
-            <a:pPr lvl="1"/>
-            <a:r>
-              <a:rPr lang="en-US" altLang="ja-JP" dirty="0"/>
-              <a:t>What this </a:t>
-            </a:r>
+              <a:rPr kumimoji="1" lang="en-US" altLang="ja-JP" dirty="0" smtClean="0"/>
+              <a:t>I thought I should use more train data to make better prediction</a:t>
+            </a:r>
+          </a:p>
+          <a:p>
+            <a:pPr>
+              <a:lnSpc>
+                <a:spcPct val="150000"/>
+              </a:lnSpc>
+            </a:pPr>
             <a:r>
               <a:rPr lang="en-US" altLang="ja-JP" dirty="0" smtClean="0"/>
-              <a:t>item like</a:t>
-            </a:r>
-            <a:endParaRPr lang="en-US" altLang="ja-JP" dirty="0"/>
-          </a:p>
-          <a:p>
-            <a:pPr marL="514350" indent="-514350">
-              <a:buFont typeface="+mj-lt"/>
-              <a:buAutoNum type="arabicPeriod"/>
+              <a:t>I decided to use prior as train</a:t>
+            </a:r>
+          </a:p>
+          <a:p>
+            <a:pPr>
+              <a:lnSpc>
+                <a:spcPct val="150000"/>
+              </a:lnSpc>
             </a:pPr>
             <a:r>
-              <a:rPr lang="en-US" altLang="ja-JP" sz="2400" dirty="0" smtClean="0"/>
-              <a:t>User x Item</a:t>
-            </a:r>
-          </a:p>
-          <a:p>
-            <a:pPr lvl="1"/>
-            <a:r>
               <a:rPr lang="en-US" altLang="ja-JP" dirty="0" smtClean="0"/>
-              <a:t>How do the user feel about the item</a:t>
-            </a:r>
-          </a:p>
-          <a:p>
-            <a:pPr marL="514350" indent="-514350">
-              <a:buFont typeface="+mj-lt"/>
-              <a:buAutoNum type="arabicPeriod"/>
+              <a:t>As a result of tunings, best </a:t>
+            </a:r>
+            <a:r>
+              <a:rPr lang="en-US" altLang="ja-JP" dirty="0" smtClean="0"/>
+              <a:t>number of window </a:t>
+            </a:r>
+            <a:r>
+              <a:rPr lang="en-US" altLang="ja-JP" dirty="0" smtClean="0"/>
+              <a:t>is </a:t>
+            </a:r>
+            <a:r>
+              <a:rPr lang="en-US" altLang="ja-JP" dirty="0" smtClean="0"/>
+              <a:t>3</a:t>
+            </a:r>
+            <a:endParaRPr lang="en-US" altLang="ja-JP" dirty="0" smtClean="0"/>
+          </a:p>
+          <a:p>
+            <a:pPr>
+              <a:lnSpc>
+                <a:spcPct val="150000"/>
+              </a:lnSpc>
             </a:pPr>
             <a:r>
-              <a:rPr kumimoji="1" lang="en-US" altLang="ja-JP" sz="2400" dirty="0" smtClean="0"/>
-              <a:t>Datetime</a:t>
-            </a:r>
-          </a:p>
-          <a:p>
-            <a:pPr lvl="1"/>
-            <a:r>
-              <a:rPr lang="en-US" altLang="ja-JP" dirty="0"/>
-              <a:t>What this </a:t>
-            </a:r>
-            <a:r>
               <a:rPr lang="en-US" altLang="ja-JP" dirty="0" smtClean="0"/>
-              <a:t>day and hour like</a:t>
-            </a:r>
-          </a:p>
-          <a:p>
-            <a:pPr lvl="1"/>
-            <a:endParaRPr lang="en-US" altLang="ja-JP" dirty="0" smtClean="0"/>
+              <a:t>See next page for details</a:t>
+            </a:r>
           </a:p>
           <a:p>
             <a:pPr marL="0" indent="0">
+              <a:lnSpc>
+                <a:spcPct val="150000"/>
+              </a:lnSpc>
               <a:buNone/>
             </a:pPr>
             <a:r>
-              <a:rPr lang="en-US" altLang="ja-JP" sz="2000" dirty="0" smtClean="0"/>
-              <a:t>*For None model, I can’t use above features except user and datetime. So I convert those to stats(min, mean, max, sum, </a:t>
-            </a:r>
-            <a:r>
-              <a:rPr lang="en-US" altLang="ja-JP" sz="2000" dirty="0" err="1" smtClean="0"/>
-              <a:t>std</a:t>
-            </a:r>
-            <a:r>
-              <a:rPr lang="mr-IN" altLang="ja-JP" sz="2000" dirty="0" smtClean="0"/>
-              <a:t>…</a:t>
-            </a:r>
-            <a:r>
-              <a:rPr lang="en-US" altLang="ja-JP" sz="2000" dirty="0" smtClean="0"/>
-              <a:t>).</a:t>
-            </a:r>
-          </a:p>
-          <a:p>
-            <a:pPr marL="0" indent="0">
-              <a:buNone/>
-            </a:pPr>
-            <a:endParaRPr lang="en-US" altLang="ja-JP" dirty="0"/>
+              <a:rPr lang="en-US" altLang="ja-JP" sz="1900" dirty="0" smtClean="0"/>
+              <a:t>*None means there is no reorder</a:t>
+            </a:r>
           </a:p>
         </p:txBody>
       </p:sp>
     </p:spTree>
     <p:extLst>
       <p:ext uri="{BB962C8B-B14F-4D97-AF65-F5344CB8AC3E}">
-        <p14:creationId xmlns:p14="http://schemas.microsoft.com/office/powerpoint/2010/main" val="1780876960"/>
+        <p14:creationId xmlns:p14="http://schemas.microsoft.com/office/powerpoint/2010/main" val="944304339"/>
       </p:ext>
     </p:extLst>
   </p:cSld>
   <p:clrMapOvr>
     <a:masterClrMapping/>
   </p:clrMapOvr>
+  <p:timing>
+    <p:tnLst>
+      <p:par>
+        <p:cTn id="1" dur="indefinite" restart="never" nodeType="tmRoot"/>
+      </p:par>
+    </p:tnLst>
+  </p:timing>
 </p:sld>
 </file>
 
